--- a/qmul_probe_Latex/figs/PPT_make_figs.pptx
+++ b/qmul_probe_Latex/figs/PPT_make_figs.pptx
@@ -3462,7 +3462,7 @@
         </p:blipFill>
         <p:spPr>
           <a:xfrm>
-            <a:off x="2175006" y="1607130"/>
+            <a:off x="2175006" y="1713810"/>
             <a:ext cx="2778391" cy="3200400"/>
           </a:xfrm>
           <a:prstGeom prst="rect">
@@ -3542,7 +3542,7 @@
         </p:nvSpPr>
         <p:spPr>
           <a:xfrm>
-            <a:off x="3346032" y="1341677"/>
+            <a:off x="3445092" y="1654097"/>
             <a:ext cx="436338" cy="369332"/>
           </a:xfrm>
           <a:prstGeom prst="rect">
@@ -3577,7 +3577,7 @@
         </p:nvSpPr>
         <p:spPr>
           <a:xfrm>
-            <a:off x="8673166" y="1344261"/>
+            <a:off x="8871286" y="1656681"/>
             <a:ext cx="447558" cy="369332"/>
           </a:xfrm>
           <a:prstGeom prst="rect">
@@ -3692,7 +3692,7 @@
         </p:nvSpPr>
         <p:spPr>
           <a:xfrm>
-            <a:off x="2526581" y="3950588"/>
+            <a:off x="2542160" y="4014216"/>
             <a:ext cx="2329612" cy="369332"/>
           </a:xfrm>
           <a:prstGeom prst="rect">
@@ -3745,7 +3745,7 @@
         </p:blipFill>
         <p:spPr>
           <a:xfrm rot="2204053">
-            <a:off x="2698307" y="2327295"/>
+            <a:off x="2698307" y="2433975"/>
             <a:ext cx="1140429" cy="669438"/>
           </a:xfrm>
           <a:prstGeom prst="rect">
@@ -3767,7 +3767,7 @@
         </p:nvSpPr>
         <p:spPr>
           <a:xfrm>
-            <a:off x="3213052" y="2589586"/>
+            <a:off x="3213052" y="2696266"/>
             <a:ext cx="914400" cy="914400"/>
           </a:xfrm>
           <a:prstGeom prst="ellipse">
@@ -4435,7 +4435,7 @@
         </p:nvSpPr>
         <p:spPr>
           <a:xfrm>
-            <a:off x="3399335" y="4436197"/>
+            <a:off x="3366304" y="4468171"/>
             <a:ext cx="439749" cy="298351"/>
           </a:xfrm>
           <a:prstGeom prst="downArrow">
@@ -4550,7 +4550,7 @@
             <p:spPr>
               <a:xfrm>
                 <a:off x="2743200" y="5025710"/>
-                <a:ext cx="2379049" cy="923330"/>
+                <a:ext cx="1995226" cy="923330"/>
               </a:xfrm>
               <a:prstGeom prst="rect">
                 <a:avLst/>
@@ -4688,19 +4688,15 @@
                 <a:pPr algn="ctr"/>
                 <a:r>
                   <a:rPr lang="en-US" dirty="0"/>
-                  <a:t>1 correlator at </a:t>
+                  <a:t>1 </a:t>
                 </a:r>
                 <a:r>
                   <a:rPr lang="en-US" i="1" dirty="0"/>
                   <a:t>k</a:t>
                 </a:r>
                 <a:r>
-                  <a:rPr lang="en-US" baseline="30000" dirty="0"/>
-                  <a:t>th</a:t>
-                </a:r>
-                <a:r>
                   <a:rPr lang="en-US" dirty="0"/>
-                  <a:t> order</a:t>
+                  <a:t>-point correlator</a:t>
                 </a:r>
               </a:p>
             </p:txBody>
@@ -4724,7 +4720,7 @@
             <p:spPr>
               <a:xfrm>
                 <a:off x="2743200" y="5025710"/>
-                <a:ext cx="2379049" cy="923330"/>
+                <a:ext cx="1995226" cy="923330"/>
               </a:xfrm>
               <a:prstGeom prst="rect">
                 <a:avLst/>
@@ -4732,7 +4728,7 @@
               <a:blipFill>
                 <a:blip r:embed="rId6"/>
                 <a:stretch>
-                  <a:fillRect l="-2128" r="-1596" b="-9459"/>
+                  <a:fillRect l="-2548" r="-2548" b="-9459"/>
                 </a:stretch>
               </a:blipFill>
             </p:spPr>
@@ -4768,7 +4764,7 @@
             <p:spPr>
               <a:xfrm>
                 <a:off x="7354077" y="5090674"/>
-                <a:ext cx="3186578" cy="923330"/>
+                <a:ext cx="3186577" cy="923330"/>
               </a:xfrm>
               <a:prstGeom prst="rect">
                 <a:avLst/>
@@ -5016,19 +5012,15 @@
                 </a:r>
                 <a:r>
                   <a:rPr lang="en-US" dirty="0"/>
-                  <a:t> correlators at </a:t>
+                  <a:t> </a:t>
                 </a:r>
                 <a:r>
                   <a:rPr lang="en-US" i="1" dirty="0"/>
                   <a:t>k</a:t>
                 </a:r>
                 <a:r>
-                  <a:rPr lang="en-US" baseline="30000" dirty="0"/>
-                  <a:t>th</a:t>
-                </a:r>
-                <a:r>
                   <a:rPr lang="en-US" dirty="0"/>
-                  <a:t> order</a:t>
+                  <a:t>-point correlators</a:t>
                 </a:r>
               </a:p>
             </p:txBody>
@@ -5052,7 +5044,7 @@
             <p:spPr>
               <a:xfrm>
                 <a:off x="7354077" y="5090674"/>
-                <a:ext cx="3186578" cy="923330"/>
+                <a:ext cx="3186577" cy="923330"/>
               </a:xfrm>
               <a:prstGeom prst="rect">
                 <a:avLst/>
@@ -5109,6 +5101,2665 @@
           <a:chExt cx="0" cy="0"/>
         </a:xfrm>
       </p:grpSpPr>
+      <p:sp>
+        <p:nvSpPr>
+          <p:cNvPr id="48" name="Rounded Rectangle 46">
+            <a:extLst>
+              <a:ext uri="{FF2B5EF4-FFF2-40B4-BE49-F238E27FC236}">
+                <a16:creationId xmlns:a16="http://schemas.microsoft.com/office/drawing/2014/main" id="{6DE898E0-3AF6-054E-934E-28579A664E9A}"/>
+              </a:ext>
+            </a:extLst>
+          </p:cNvPr>
+          <p:cNvSpPr/>
+          <p:nvPr/>
+        </p:nvSpPr>
+        <p:spPr>
+          <a:xfrm rot="10800000">
+            <a:off x="1785780" y="3012166"/>
+            <a:ext cx="3392281" cy="182880"/>
+          </a:xfrm>
+          <a:custGeom>
+            <a:avLst/>
+            <a:gdLst>
+              <a:gd name="connsiteX0" fmla="*/ 0 w 3459480"/>
+              <a:gd name="connsiteY0" fmla="*/ 404288 h 808576"/>
+              <a:gd name="connsiteX1" fmla="*/ 404288 w 3459480"/>
+              <a:gd name="connsiteY1" fmla="*/ 0 h 808576"/>
+              <a:gd name="connsiteX2" fmla="*/ 3055192 w 3459480"/>
+              <a:gd name="connsiteY2" fmla="*/ 0 h 808576"/>
+              <a:gd name="connsiteX3" fmla="*/ 3459480 w 3459480"/>
+              <a:gd name="connsiteY3" fmla="*/ 404288 h 808576"/>
+              <a:gd name="connsiteX4" fmla="*/ 3459480 w 3459480"/>
+              <a:gd name="connsiteY4" fmla="*/ 404288 h 808576"/>
+              <a:gd name="connsiteX5" fmla="*/ 3055192 w 3459480"/>
+              <a:gd name="connsiteY5" fmla="*/ 808576 h 808576"/>
+              <a:gd name="connsiteX6" fmla="*/ 404288 w 3459480"/>
+              <a:gd name="connsiteY6" fmla="*/ 808576 h 808576"/>
+              <a:gd name="connsiteX7" fmla="*/ 0 w 3459480"/>
+              <a:gd name="connsiteY7" fmla="*/ 404288 h 808576"/>
+              <a:gd name="connsiteX0" fmla="*/ 0 w 3459480"/>
+              <a:gd name="connsiteY0" fmla="*/ 404288 h 808576"/>
+              <a:gd name="connsiteX1" fmla="*/ 404288 w 3459480"/>
+              <a:gd name="connsiteY1" fmla="*/ 0 h 808576"/>
+              <a:gd name="connsiteX2" fmla="*/ 3459480 w 3459480"/>
+              <a:gd name="connsiteY2" fmla="*/ 404288 h 808576"/>
+              <a:gd name="connsiteX3" fmla="*/ 3459480 w 3459480"/>
+              <a:gd name="connsiteY3" fmla="*/ 404288 h 808576"/>
+              <a:gd name="connsiteX4" fmla="*/ 3055192 w 3459480"/>
+              <a:gd name="connsiteY4" fmla="*/ 808576 h 808576"/>
+              <a:gd name="connsiteX5" fmla="*/ 404288 w 3459480"/>
+              <a:gd name="connsiteY5" fmla="*/ 808576 h 808576"/>
+              <a:gd name="connsiteX6" fmla="*/ 0 w 3459480"/>
+              <a:gd name="connsiteY6" fmla="*/ 404288 h 808576"/>
+              <a:gd name="connsiteX0" fmla="*/ 0 w 3459480"/>
+              <a:gd name="connsiteY0" fmla="*/ 29948 h 434236"/>
+              <a:gd name="connsiteX1" fmla="*/ 3459480 w 3459480"/>
+              <a:gd name="connsiteY1" fmla="*/ 29948 h 434236"/>
+              <a:gd name="connsiteX2" fmla="*/ 3459480 w 3459480"/>
+              <a:gd name="connsiteY2" fmla="*/ 29948 h 434236"/>
+              <a:gd name="connsiteX3" fmla="*/ 3055192 w 3459480"/>
+              <a:gd name="connsiteY3" fmla="*/ 434236 h 434236"/>
+              <a:gd name="connsiteX4" fmla="*/ 404288 w 3459480"/>
+              <a:gd name="connsiteY4" fmla="*/ 434236 h 434236"/>
+              <a:gd name="connsiteX5" fmla="*/ 0 w 3459480"/>
+              <a:gd name="connsiteY5" fmla="*/ 29948 h 434236"/>
+              <a:gd name="connsiteX0" fmla="*/ 0 w 3459480"/>
+              <a:gd name="connsiteY0" fmla="*/ 29948 h 434236"/>
+              <a:gd name="connsiteX1" fmla="*/ 3459480 w 3459480"/>
+              <a:gd name="connsiteY1" fmla="*/ 29948 h 434236"/>
+              <a:gd name="connsiteX2" fmla="*/ 3459480 w 3459480"/>
+              <a:gd name="connsiteY2" fmla="*/ 29948 h 434236"/>
+              <a:gd name="connsiteX3" fmla="*/ 3055192 w 3459480"/>
+              <a:gd name="connsiteY3" fmla="*/ 434236 h 434236"/>
+              <a:gd name="connsiteX4" fmla="*/ 404288 w 3459480"/>
+              <a:gd name="connsiteY4" fmla="*/ 434236 h 434236"/>
+              <a:gd name="connsiteX5" fmla="*/ 91440 w 3459480"/>
+              <a:gd name="connsiteY5" fmla="*/ 121388 h 434236"/>
+              <a:gd name="connsiteX0" fmla="*/ 3392281 w 3392281"/>
+              <a:gd name="connsiteY0" fmla="*/ 0 h 404288"/>
+              <a:gd name="connsiteX1" fmla="*/ 3392281 w 3392281"/>
+              <a:gd name="connsiteY1" fmla="*/ 0 h 404288"/>
+              <a:gd name="connsiteX2" fmla="*/ 2987993 w 3392281"/>
+              <a:gd name="connsiteY2" fmla="*/ 404288 h 404288"/>
+              <a:gd name="connsiteX3" fmla="*/ 337089 w 3392281"/>
+              <a:gd name="connsiteY3" fmla="*/ 404288 h 404288"/>
+              <a:gd name="connsiteX4" fmla="*/ 24241 w 3392281"/>
+              <a:gd name="connsiteY4" fmla="*/ 91440 h 404288"/>
+            </a:gdLst>
+            <a:ahLst/>
+            <a:cxnLst>
+              <a:cxn ang="0">
+                <a:pos x="connsiteX0" y="connsiteY0"/>
+              </a:cxn>
+              <a:cxn ang="0">
+                <a:pos x="connsiteX1" y="connsiteY1"/>
+              </a:cxn>
+              <a:cxn ang="0">
+                <a:pos x="connsiteX2" y="connsiteY2"/>
+              </a:cxn>
+              <a:cxn ang="0">
+                <a:pos x="connsiteX3" y="connsiteY3"/>
+              </a:cxn>
+              <a:cxn ang="0">
+                <a:pos x="connsiteX4" y="connsiteY4"/>
+              </a:cxn>
+            </a:cxnLst>
+            <a:rect l="l" t="t" r="r" b="b"/>
+            <a:pathLst>
+              <a:path w="3392281" h="404288">
+                <a:moveTo>
+                  <a:pt x="3392281" y="0"/>
+                </a:moveTo>
+                <a:lnTo>
+                  <a:pt x="3392281" y="0"/>
+                </a:lnTo>
+                <a:cubicBezTo>
+                  <a:pt x="3392281" y="223282"/>
+                  <a:pt x="3211275" y="404288"/>
+                  <a:pt x="2987993" y="404288"/>
+                </a:cubicBezTo>
+                <a:lnTo>
+                  <a:pt x="337089" y="404288"/>
+                </a:lnTo>
+                <a:cubicBezTo>
+                  <a:pt x="113807" y="404288"/>
+                  <a:pt x="-67199" y="223282"/>
+                  <a:pt x="24241" y="91440"/>
+                </a:cubicBezTo>
+              </a:path>
+            </a:pathLst>
+          </a:custGeom>
+          <a:noFill/>
+          <a:ln w="31750">
+            <a:solidFill>
+              <a:schemeClr val="bg2">
+                <a:lumMod val="25000"/>
+              </a:schemeClr>
+            </a:solidFill>
+            <a:prstDash val="sysDot"/>
+          </a:ln>
+        </p:spPr>
+        <p:style>
+          <a:lnRef idx="2">
+            <a:schemeClr val="accent1">
+              <a:shade val="50000"/>
+            </a:schemeClr>
+          </a:lnRef>
+          <a:fillRef idx="1">
+            <a:schemeClr val="accent1"/>
+          </a:fillRef>
+          <a:effectRef idx="0">
+            <a:schemeClr val="accent1"/>
+          </a:effectRef>
+          <a:fontRef idx="minor">
+            <a:schemeClr val="lt1"/>
+          </a:fontRef>
+        </p:style>
+        <p:txBody>
+          <a:bodyPr rtlCol="0" anchor="ctr"/>
+          <a:lstStyle/>
+          <a:p>
+            <a:pPr algn="ctr"/>
+            <a:endParaRPr lang="en-US"/>
+          </a:p>
+        </p:txBody>
+      </p:sp>
+      <p:sp>
+        <p:nvSpPr>
+          <p:cNvPr id="23" name="Rounded Rectangle 22">
+            <a:extLst>
+              <a:ext uri="{FF2B5EF4-FFF2-40B4-BE49-F238E27FC236}">
+                <a16:creationId xmlns:a16="http://schemas.microsoft.com/office/drawing/2014/main" id="{59529485-C868-5C43-BA40-4F1302BC550A}"/>
+              </a:ext>
+            </a:extLst>
+          </p:cNvPr>
+          <p:cNvSpPr/>
+          <p:nvPr/>
+        </p:nvSpPr>
+        <p:spPr>
+          <a:xfrm>
+            <a:off x="1112520" y="1874633"/>
+            <a:ext cx="4419600" cy="1004888"/>
+          </a:xfrm>
+          <a:prstGeom prst="roundRect">
+            <a:avLst>
+              <a:gd name="adj" fmla="val 31075"/>
+            </a:avLst>
+          </a:prstGeom>
+          <a:solidFill>
+            <a:srgbClr val="FF7F7F">
+              <a:alpha val="73403"/>
+            </a:srgbClr>
+          </a:solidFill>
+          <a:ln w="25400">
+            <a:solidFill>
+              <a:srgbClr val="FF0000"/>
+            </a:solidFill>
+            <a:prstDash val="dash"/>
+          </a:ln>
+        </p:spPr>
+        <p:style>
+          <a:lnRef idx="2">
+            <a:schemeClr val="accent1">
+              <a:shade val="50000"/>
+            </a:schemeClr>
+          </a:lnRef>
+          <a:fillRef idx="1">
+            <a:schemeClr val="accent1"/>
+          </a:fillRef>
+          <a:effectRef idx="0">
+            <a:schemeClr val="accent1"/>
+          </a:effectRef>
+          <a:fontRef idx="minor">
+            <a:schemeClr val="lt1"/>
+          </a:fontRef>
+        </p:style>
+        <p:txBody>
+          <a:bodyPr rtlCol="0" anchor="ctr"/>
+          <a:lstStyle/>
+          <a:p>
+            <a:pPr algn="ctr"/>
+            <a:endParaRPr lang="en-US"/>
+          </a:p>
+        </p:txBody>
+      </p:sp>
+      <p:cxnSp>
+        <p:nvCxnSpPr>
+          <p:cNvPr id="3" name="Straight Connector 2">
+            <a:extLst>
+              <a:ext uri="{FF2B5EF4-FFF2-40B4-BE49-F238E27FC236}">
+                <a16:creationId xmlns:a16="http://schemas.microsoft.com/office/drawing/2014/main" id="{7574340F-5C32-7F4A-88F8-296C8462C707}"/>
+              </a:ext>
+            </a:extLst>
+          </p:cNvPr>
+          <p:cNvCxnSpPr/>
+          <p:nvPr/>
+        </p:nvCxnSpPr>
+        <p:spPr>
+          <a:xfrm>
+            <a:off x="1112520" y="2057400"/>
+            <a:ext cx="4419600" cy="0"/>
+          </a:xfrm>
+          <a:prstGeom prst="line">
+            <a:avLst/>
+          </a:prstGeom>
+          <a:ln w="31750">
+            <a:solidFill>
+              <a:schemeClr val="tx1"/>
+            </a:solidFill>
+          </a:ln>
+        </p:spPr>
+        <p:style>
+          <a:lnRef idx="1">
+            <a:schemeClr val="accent1"/>
+          </a:lnRef>
+          <a:fillRef idx="0">
+            <a:schemeClr val="accent1"/>
+          </a:fillRef>
+          <a:effectRef idx="0">
+            <a:schemeClr val="accent1"/>
+          </a:effectRef>
+          <a:fontRef idx="minor">
+            <a:schemeClr val="tx1"/>
+          </a:fontRef>
+        </p:style>
+      </p:cxnSp>
+      <p:cxnSp>
+        <p:nvCxnSpPr>
+          <p:cNvPr id="4" name="Straight Connector 3">
+            <a:extLst>
+              <a:ext uri="{FF2B5EF4-FFF2-40B4-BE49-F238E27FC236}">
+                <a16:creationId xmlns:a16="http://schemas.microsoft.com/office/drawing/2014/main" id="{B6A2F9FC-A997-E749-B7C1-0C0A79C63A92}"/>
+              </a:ext>
+            </a:extLst>
+          </p:cNvPr>
+          <p:cNvCxnSpPr/>
+          <p:nvPr/>
+        </p:nvCxnSpPr>
+        <p:spPr>
+          <a:xfrm>
+            <a:off x="1112520" y="2362200"/>
+            <a:ext cx="4419600" cy="0"/>
+          </a:xfrm>
+          <a:prstGeom prst="line">
+            <a:avLst/>
+          </a:prstGeom>
+          <a:ln w="31750">
+            <a:solidFill>
+              <a:schemeClr val="tx1"/>
+            </a:solidFill>
+          </a:ln>
+        </p:spPr>
+        <p:style>
+          <a:lnRef idx="1">
+            <a:schemeClr val="accent1"/>
+          </a:lnRef>
+          <a:fillRef idx="0">
+            <a:schemeClr val="accent1"/>
+          </a:fillRef>
+          <a:effectRef idx="0">
+            <a:schemeClr val="accent1"/>
+          </a:effectRef>
+          <a:fontRef idx="minor">
+            <a:schemeClr val="tx1"/>
+          </a:fontRef>
+        </p:style>
+      </p:cxnSp>
+      <p:cxnSp>
+        <p:nvCxnSpPr>
+          <p:cNvPr id="5" name="Straight Connector 4">
+            <a:extLst>
+              <a:ext uri="{FF2B5EF4-FFF2-40B4-BE49-F238E27FC236}">
+                <a16:creationId xmlns:a16="http://schemas.microsoft.com/office/drawing/2014/main" id="{B234D028-C7A8-CC42-B077-7D8B943FE05B}"/>
+              </a:ext>
+            </a:extLst>
+          </p:cNvPr>
+          <p:cNvCxnSpPr/>
+          <p:nvPr/>
+        </p:nvCxnSpPr>
+        <p:spPr>
+          <a:xfrm>
+            <a:off x="1112520" y="2697480"/>
+            <a:ext cx="4419600" cy="0"/>
+          </a:xfrm>
+          <a:prstGeom prst="line">
+            <a:avLst/>
+          </a:prstGeom>
+          <a:ln w="31750">
+            <a:solidFill>
+              <a:schemeClr val="tx1"/>
+            </a:solidFill>
+          </a:ln>
+        </p:spPr>
+        <p:style>
+          <a:lnRef idx="1">
+            <a:schemeClr val="accent1"/>
+          </a:lnRef>
+          <a:fillRef idx="0">
+            <a:schemeClr val="accent1"/>
+          </a:fillRef>
+          <a:effectRef idx="0">
+            <a:schemeClr val="accent1"/>
+          </a:effectRef>
+          <a:fontRef idx="minor">
+            <a:schemeClr val="tx1"/>
+          </a:fontRef>
+        </p:style>
+      </p:cxnSp>
+      <p:cxnSp>
+        <p:nvCxnSpPr>
+          <p:cNvPr id="6" name="Straight Connector 5">
+            <a:extLst>
+              <a:ext uri="{FF2B5EF4-FFF2-40B4-BE49-F238E27FC236}">
+                <a16:creationId xmlns:a16="http://schemas.microsoft.com/office/drawing/2014/main" id="{47AF2FD6-8072-D349-B9BC-9D55F2AFA071}"/>
+              </a:ext>
+            </a:extLst>
+          </p:cNvPr>
+          <p:cNvCxnSpPr/>
+          <p:nvPr/>
+        </p:nvCxnSpPr>
+        <p:spPr>
+          <a:xfrm>
+            <a:off x="1112520" y="3550920"/>
+            <a:ext cx="4419600" cy="0"/>
+          </a:xfrm>
+          <a:prstGeom prst="line">
+            <a:avLst/>
+          </a:prstGeom>
+          <a:ln w="31750">
+            <a:solidFill>
+              <a:schemeClr val="tx1"/>
+            </a:solidFill>
+          </a:ln>
+        </p:spPr>
+        <p:style>
+          <a:lnRef idx="1">
+            <a:schemeClr val="accent1"/>
+          </a:lnRef>
+          <a:fillRef idx="0">
+            <a:schemeClr val="accent1"/>
+          </a:fillRef>
+          <a:effectRef idx="0">
+            <a:schemeClr val="accent1"/>
+          </a:effectRef>
+          <a:fontRef idx="minor">
+            <a:schemeClr val="tx1"/>
+          </a:fontRef>
+        </p:style>
+      </p:cxnSp>
+      <p:cxnSp>
+        <p:nvCxnSpPr>
+          <p:cNvPr id="7" name="Straight Connector 6">
+            <a:extLst>
+              <a:ext uri="{FF2B5EF4-FFF2-40B4-BE49-F238E27FC236}">
+                <a16:creationId xmlns:a16="http://schemas.microsoft.com/office/drawing/2014/main" id="{904D6761-E5EF-1F41-9A1F-C20C759C686E}"/>
+              </a:ext>
+            </a:extLst>
+          </p:cNvPr>
+          <p:cNvCxnSpPr/>
+          <p:nvPr/>
+        </p:nvCxnSpPr>
+        <p:spPr>
+          <a:xfrm>
+            <a:off x="1112520" y="3954780"/>
+            <a:ext cx="4419600" cy="0"/>
+          </a:xfrm>
+          <a:prstGeom prst="line">
+            <a:avLst/>
+          </a:prstGeom>
+          <a:ln w="31750">
+            <a:solidFill>
+              <a:schemeClr val="tx1"/>
+            </a:solidFill>
+          </a:ln>
+        </p:spPr>
+        <p:style>
+          <a:lnRef idx="1">
+            <a:schemeClr val="accent1"/>
+          </a:lnRef>
+          <a:fillRef idx="0">
+            <a:schemeClr val="accent1"/>
+          </a:fillRef>
+          <a:effectRef idx="0">
+            <a:schemeClr val="accent1"/>
+          </a:effectRef>
+          <a:fontRef idx="minor">
+            <a:schemeClr val="tx1"/>
+          </a:fontRef>
+        </p:style>
+      </p:cxnSp>
+      <p:sp>
+        <p:nvSpPr>
+          <p:cNvPr id="8" name="TextBox 7">
+            <a:extLst>
+              <a:ext uri="{FF2B5EF4-FFF2-40B4-BE49-F238E27FC236}">
+                <a16:creationId xmlns:a16="http://schemas.microsoft.com/office/drawing/2014/main" id="{17437ADA-04CD-384B-940C-AF186C1E66CD}"/>
+              </a:ext>
+            </a:extLst>
+          </p:cNvPr>
+          <p:cNvSpPr txBox="1"/>
+          <p:nvPr/>
+        </p:nvSpPr>
+        <p:spPr>
+          <a:xfrm>
+            <a:off x="653718" y="1814512"/>
+            <a:ext cx="447558" cy="369332"/>
+          </a:xfrm>
+          <a:prstGeom prst="rect">
+            <a:avLst/>
+          </a:prstGeom>
+          <a:noFill/>
+        </p:spPr>
+        <p:txBody>
+          <a:bodyPr wrap="none" rtlCol="0">
+            <a:spAutoFit/>
+          </a:bodyPr>
+          <a:lstStyle/>
+          <a:p>
+            <a:r>
+              <a:rPr lang="en-US" i="1" dirty="0"/>
+              <a:t>m</a:t>
+            </a:r>
+            <a:r>
+              <a:rPr lang="en-US" i="1" baseline="-25000" dirty="0"/>
+              <a:t>3</a:t>
+            </a:r>
+          </a:p>
+        </p:txBody>
+      </p:sp>
+      <p:sp>
+        <p:nvSpPr>
+          <p:cNvPr id="9" name="TextBox 8">
+            <a:extLst>
+              <a:ext uri="{FF2B5EF4-FFF2-40B4-BE49-F238E27FC236}">
+                <a16:creationId xmlns:a16="http://schemas.microsoft.com/office/drawing/2014/main" id="{CCEEFE56-95AC-CE47-89D8-149F48E9D26D}"/>
+              </a:ext>
+            </a:extLst>
+          </p:cNvPr>
+          <p:cNvSpPr txBox="1"/>
+          <p:nvPr/>
+        </p:nvSpPr>
+        <p:spPr>
+          <a:xfrm>
+            <a:off x="655320" y="2143482"/>
+            <a:ext cx="445956" cy="369332"/>
+          </a:xfrm>
+          <a:prstGeom prst="rect">
+            <a:avLst/>
+          </a:prstGeom>
+          <a:noFill/>
+        </p:spPr>
+        <p:txBody>
+          <a:bodyPr wrap="none" rtlCol="0">
+            <a:spAutoFit/>
+          </a:bodyPr>
+          <a:lstStyle/>
+          <a:p>
+            <a:r>
+              <a:rPr lang="en-US" i="1" dirty="0"/>
+              <a:t>m</a:t>
+            </a:r>
+            <a:r>
+              <a:rPr lang="en-US" i="1" baseline="-25000" dirty="0"/>
+              <a:t>2</a:t>
+            </a:r>
+          </a:p>
+        </p:txBody>
+      </p:sp>
+      <p:sp>
+        <p:nvSpPr>
+          <p:cNvPr id="10" name="TextBox 9">
+            <a:extLst>
+              <a:ext uri="{FF2B5EF4-FFF2-40B4-BE49-F238E27FC236}">
+                <a16:creationId xmlns:a16="http://schemas.microsoft.com/office/drawing/2014/main" id="{38EA0D1D-B007-CF4B-9F89-28E364399379}"/>
+              </a:ext>
+            </a:extLst>
+          </p:cNvPr>
+          <p:cNvSpPr txBox="1"/>
+          <p:nvPr/>
+        </p:nvSpPr>
+        <p:spPr>
+          <a:xfrm>
+            <a:off x="655320" y="2512814"/>
+            <a:ext cx="445956" cy="369332"/>
+          </a:xfrm>
+          <a:prstGeom prst="rect">
+            <a:avLst/>
+          </a:prstGeom>
+          <a:noFill/>
+        </p:spPr>
+        <p:txBody>
+          <a:bodyPr wrap="none" rtlCol="0">
+            <a:spAutoFit/>
+          </a:bodyPr>
+          <a:lstStyle/>
+          <a:p>
+            <a:r>
+              <a:rPr lang="en-US" i="1" dirty="0"/>
+              <a:t>m</a:t>
+            </a:r>
+            <a:r>
+              <a:rPr lang="en-US" i="1" baseline="-25000" dirty="0"/>
+              <a:t>1</a:t>
+            </a:r>
+          </a:p>
+        </p:txBody>
+      </p:sp>
+      <p:sp>
+        <p:nvSpPr>
+          <p:cNvPr id="12" name="TextBox 11">
+            <a:extLst>
+              <a:ext uri="{FF2B5EF4-FFF2-40B4-BE49-F238E27FC236}">
+                <a16:creationId xmlns:a16="http://schemas.microsoft.com/office/drawing/2014/main" id="{F20846EC-135F-A346-BBED-88861580DFB6}"/>
+              </a:ext>
+            </a:extLst>
+          </p:cNvPr>
+          <p:cNvSpPr txBox="1"/>
+          <p:nvPr/>
+        </p:nvSpPr>
+        <p:spPr>
+          <a:xfrm>
+            <a:off x="655320" y="3366254"/>
+            <a:ext cx="381836" cy="369332"/>
+          </a:xfrm>
+          <a:prstGeom prst="rect">
+            <a:avLst/>
+          </a:prstGeom>
+          <a:noFill/>
+        </p:spPr>
+        <p:txBody>
+          <a:bodyPr wrap="none" rtlCol="0">
+            <a:spAutoFit/>
+          </a:bodyPr>
+          <a:lstStyle/>
+          <a:p>
+            <a:r>
+              <a:rPr lang="en-US" i="1" dirty="0"/>
+              <a:t>q</a:t>
+            </a:r>
+            <a:r>
+              <a:rPr lang="en-US" i="1" baseline="-25000" dirty="0"/>
+              <a:t>1</a:t>
+            </a:r>
+          </a:p>
+        </p:txBody>
+      </p:sp>
+      <p:sp>
+        <p:nvSpPr>
+          <p:cNvPr id="13" name="TextBox 12">
+            <a:extLst>
+              <a:ext uri="{FF2B5EF4-FFF2-40B4-BE49-F238E27FC236}">
+                <a16:creationId xmlns:a16="http://schemas.microsoft.com/office/drawing/2014/main" id="{C3B7AFF7-6547-E845-9A03-8006A23E15BC}"/>
+              </a:ext>
+            </a:extLst>
+          </p:cNvPr>
+          <p:cNvSpPr txBox="1"/>
+          <p:nvPr/>
+        </p:nvSpPr>
+        <p:spPr>
+          <a:xfrm>
+            <a:off x="653718" y="3791189"/>
+            <a:ext cx="381836" cy="369332"/>
+          </a:xfrm>
+          <a:prstGeom prst="rect">
+            <a:avLst/>
+          </a:prstGeom>
+          <a:noFill/>
+        </p:spPr>
+        <p:txBody>
+          <a:bodyPr wrap="none" rtlCol="0">
+            <a:spAutoFit/>
+          </a:bodyPr>
+          <a:lstStyle/>
+          <a:p>
+            <a:r>
+              <a:rPr lang="en-US" i="1" dirty="0"/>
+              <a:t>q</a:t>
+            </a:r>
+            <a:r>
+              <a:rPr lang="en-US" i="1" baseline="-25000" dirty="0"/>
+              <a:t>2</a:t>
+            </a:r>
+          </a:p>
+        </p:txBody>
+      </p:sp>
+      <mc:AlternateContent xmlns:mc="http://schemas.openxmlformats.org/markup-compatibility/2006">
+        <mc:Choice xmlns:a14="http://schemas.microsoft.com/office/drawing/2010/main" Requires="a14">
+          <p:sp>
+            <p:nvSpPr>
+              <p:cNvPr id="14" name="TextBox 13">
+                <a:extLst>
+                  <a:ext uri="{FF2B5EF4-FFF2-40B4-BE49-F238E27FC236}">
+                    <a16:creationId xmlns:a16="http://schemas.microsoft.com/office/drawing/2014/main" id="{86569E8D-0D37-9247-915D-B7D9D550F37D}"/>
+                  </a:ext>
+                </a:extLst>
+              </p:cNvPr>
+              <p:cNvSpPr txBox="1"/>
+              <p:nvPr/>
+            </p:nvSpPr>
+            <p:spPr>
+              <a:xfrm>
+                <a:off x="167786" y="2120622"/>
+                <a:ext cx="532453" cy="369332"/>
+              </a:xfrm>
+              <a:prstGeom prst="rect">
+                <a:avLst/>
+              </a:prstGeom>
+              <a:noFill/>
+            </p:spPr>
+            <p:txBody>
+              <a:bodyPr wrap="none" rtlCol="0">
+                <a:spAutoFit/>
+              </a:bodyPr>
+              <a:lstStyle/>
+              <a:p>
+                <a14:m>
+                  <m:oMathPara xmlns:m="http://schemas.openxmlformats.org/officeDocument/2006/math">
+                    <m:oMathParaPr>
+                      <m:jc m:val="centerGroup"/>
+                    </m:oMathParaPr>
+                    <m:oMath xmlns:m="http://schemas.openxmlformats.org/officeDocument/2006/math">
+                      <m:sSub>
+                        <m:sSubPr>
+                          <m:ctrlPr>
+                            <a:rPr lang="en-US" i="1" smtClean="0">
+                              <a:solidFill>
+                                <a:srgbClr val="FF0000"/>
+                              </a:solidFill>
+                              <a:latin typeface="Cambria Math" panose="02040503050406030204" pitchFamily="18" charset="0"/>
+                            </a:rPr>
+                          </m:ctrlPr>
+                        </m:sSubPr>
+                        <m:e>
+                          <m:r>
+                            <a:rPr lang="en-US" i="1" smtClean="0">
+                              <a:solidFill>
+                                <a:srgbClr val="FF0000"/>
+                              </a:solidFill>
+                              <a:latin typeface="Cambria Math" panose="02040503050406030204" pitchFamily="18" charset="0"/>
+                              <a:ea typeface="Cambria Math" panose="02040503050406030204" pitchFamily="18" charset="0"/>
+                            </a:rPr>
+                            <m:t>𝜌</m:t>
+                          </m:r>
+                        </m:e>
+                        <m:sub>
+                          <m:r>
+                            <a:rPr lang="en-US" b="0" i="1" smtClean="0">
+                              <a:solidFill>
+                                <a:srgbClr val="FF0000"/>
+                              </a:solidFill>
+                              <a:latin typeface="Cambria Math" panose="02040503050406030204" pitchFamily="18" charset="0"/>
+                            </a:rPr>
+                            <m:t>𝑀</m:t>
+                          </m:r>
+                        </m:sub>
+                      </m:sSub>
+                    </m:oMath>
+                  </m:oMathPara>
+                </a14:m>
+                <a:endParaRPr lang="en-US" dirty="0">
+                  <a:solidFill>
+                    <a:srgbClr val="FF0000"/>
+                  </a:solidFill>
+                </a:endParaRPr>
+              </a:p>
+            </p:txBody>
+          </p:sp>
+        </mc:Choice>
+        <mc:Fallback>
+          <p:sp>
+            <p:nvSpPr>
+              <p:cNvPr id="14" name="TextBox 13">
+                <a:extLst>
+                  <a:ext uri="{FF2B5EF4-FFF2-40B4-BE49-F238E27FC236}">
+                    <a16:creationId xmlns:a16="http://schemas.microsoft.com/office/drawing/2014/main" id="{86569E8D-0D37-9247-915D-B7D9D550F37D}"/>
+                  </a:ext>
+                </a:extLst>
+              </p:cNvPr>
+              <p:cNvSpPr txBox="1">
+                <a:spLocks noRot="1" noChangeAspect="1" noMove="1" noResize="1" noEditPoints="1" noAdjustHandles="1" noChangeArrowheads="1" noChangeShapeType="1" noTextEdit="1"/>
+              </p:cNvSpPr>
+              <p:nvPr/>
+            </p:nvSpPr>
+            <p:spPr>
+              <a:xfrm>
+                <a:off x="167786" y="2120622"/>
+                <a:ext cx="532453" cy="369332"/>
+              </a:xfrm>
+              <a:prstGeom prst="rect">
+                <a:avLst/>
+              </a:prstGeom>
+              <a:blipFill>
+                <a:blip r:embed="rId2"/>
+                <a:stretch>
+                  <a:fillRect b="-10345"/>
+                </a:stretch>
+              </a:blipFill>
+            </p:spPr>
+            <p:txBody>
+              <a:bodyPr/>
+              <a:lstStyle/>
+              <a:p>
+                <a:r>
+                  <a:rPr lang="en-US">
+                    <a:noFill/>
+                  </a:rPr>
+                  <a:t> </a:t>
+                </a:r>
+              </a:p>
+            </p:txBody>
+          </p:sp>
+        </mc:Fallback>
+      </mc:AlternateContent>
+      <mc:AlternateContent xmlns:mc="http://schemas.openxmlformats.org/markup-compatibility/2006">
+        <mc:Choice xmlns:a14="http://schemas.microsoft.com/office/drawing/2010/main" Requires="a14">
+          <p:sp>
+            <p:nvSpPr>
+              <p:cNvPr id="15" name="TextBox 14">
+                <a:extLst>
+                  <a:ext uri="{FF2B5EF4-FFF2-40B4-BE49-F238E27FC236}">
+                    <a16:creationId xmlns:a16="http://schemas.microsoft.com/office/drawing/2014/main" id="{371B6DAC-5351-5C49-85AB-3AB6AF63E058}"/>
+                  </a:ext>
+                </a:extLst>
+              </p:cNvPr>
+              <p:cNvSpPr txBox="1"/>
+              <p:nvPr/>
+            </p:nvSpPr>
+            <p:spPr>
+              <a:xfrm>
+                <a:off x="167786" y="3528060"/>
+                <a:ext cx="482568" cy="369332"/>
+              </a:xfrm>
+              <a:prstGeom prst="rect">
+                <a:avLst/>
+              </a:prstGeom>
+              <a:noFill/>
+            </p:spPr>
+            <p:txBody>
+              <a:bodyPr wrap="none" rtlCol="0">
+                <a:spAutoFit/>
+              </a:bodyPr>
+              <a:lstStyle/>
+              <a:p>
+                <a14:m>
+                  <m:oMathPara xmlns:m="http://schemas.openxmlformats.org/officeDocument/2006/math">
+                    <m:oMathParaPr>
+                      <m:jc m:val="centerGroup"/>
+                    </m:oMathParaPr>
+                    <m:oMath xmlns:m="http://schemas.openxmlformats.org/officeDocument/2006/math">
+                      <m:sSub>
+                        <m:sSubPr>
+                          <m:ctrlPr>
+                            <a:rPr lang="en-US" i="1" smtClean="0">
+                              <a:solidFill>
+                                <a:srgbClr val="0432FF"/>
+                              </a:solidFill>
+                              <a:latin typeface="Cambria Math" panose="02040503050406030204" pitchFamily="18" charset="0"/>
+                            </a:rPr>
+                          </m:ctrlPr>
+                        </m:sSubPr>
+                        <m:e>
+                          <m:r>
+                            <a:rPr lang="en-US" i="1" smtClean="0">
+                              <a:solidFill>
+                                <a:srgbClr val="0432FF"/>
+                              </a:solidFill>
+                              <a:latin typeface="Cambria Math" panose="02040503050406030204" pitchFamily="18" charset="0"/>
+                              <a:ea typeface="Cambria Math" panose="02040503050406030204" pitchFamily="18" charset="0"/>
+                            </a:rPr>
+                            <m:t>𝜌</m:t>
+                          </m:r>
+                        </m:e>
+                        <m:sub>
+                          <m:r>
+                            <a:rPr lang="en-US" b="0" i="1" smtClean="0">
+                              <a:solidFill>
+                                <a:srgbClr val="0432FF"/>
+                              </a:solidFill>
+                              <a:latin typeface="Cambria Math" panose="02040503050406030204" pitchFamily="18" charset="0"/>
+                            </a:rPr>
+                            <m:t>𝑃</m:t>
+                          </m:r>
+                        </m:sub>
+                      </m:sSub>
+                    </m:oMath>
+                  </m:oMathPara>
+                </a14:m>
+                <a:endParaRPr lang="en-US" dirty="0">
+                  <a:solidFill>
+                    <a:srgbClr val="0432FF"/>
+                  </a:solidFill>
+                </a:endParaRPr>
+              </a:p>
+            </p:txBody>
+          </p:sp>
+        </mc:Choice>
+        <mc:Fallback>
+          <p:sp>
+            <p:nvSpPr>
+              <p:cNvPr id="15" name="TextBox 14">
+                <a:extLst>
+                  <a:ext uri="{FF2B5EF4-FFF2-40B4-BE49-F238E27FC236}">
+                    <a16:creationId xmlns:a16="http://schemas.microsoft.com/office/drawing/2014/main" id="{371B6DAC-5351-5C49-85AB-3AB6AF63E058}"/>
+                  </a:ext>
+                </a:extLst>
+              </p:cNvPr>
+              <p:cNvSpPr txBox="1">
+                <a:spLocks noRot="1" noChangeAspect="1" noMove="1" noResize="1" noEditPoints="1" noAdjustHandles="1" noChangeArrowheads="1" noChangeShapeType="1" noTextEdit="1"/>
+              </p:cNvSpPr>
+              <p:nvPr/>
+            </p:nvSpPr>
+            <p:spPr>
+              <a:xfrm>
+                <a:off x="167786" y="3528060"/>
+                <a:ext cx="482568" cy="369332"/>
+              </a:xfrm>
+              <a:prstGeom prst="rect">
+                <a:avLst/>
+              </a:prstGeom>
+              <a:blipFill>
+                <a:blip r:embed="rId3"/>
+                <a:stretch>
+                  <a:fillRect b="-10000"/>
+                </a:stretch>
+              </a:blipFill>
+            </p:spPr>
+            <p:txBody>
+              <a:bodyPr/>
+              <a:lstStyle/>
+              <a:p>
+                <a:r>
+                  <a:rPr lang="en-US">
+                    <a:noFill/>
+                  </a:rPr>
+                  <a:t> </a:t>
+                </a:r>
+              </a:p>
+            </p:txBody>
+          </p:sp>
+        </mc:Fallback>
+      </mc:AlternateContent>
+      <p:sp>
+        <p:nvSpPr>
+          <p:cNvPr id="16" name="Rounded Rectangle 15">
+            <a:extLst>
+              <a:ext uri="{FF2B5EF4-FFF2-40B4-BE49-F238E27FC236}">
+                <a16:creationId xmlns:a16="http://schemas.microsoft.com/office/drawing/2014/main" id="{F84CDF59-36A7-014E-860A-8FC20EDE621E}"/>
+              </a:ext>
+            </a:extLst>
+          </p:cNvPr>
+          <p:cNvSpPr/>
+          <p:nvPr/>
+        </p:nvSpPr>
+        <p:spPr>
+          <a:xfrm>
+            <a:off x="1295400" y="3429000"/>
+            <a:ext cx="312420" cy="655320"/>
+          </a:xfrm>
+          <a:prstGeom prst="roundRect">
+            <a:avLst>
+              <a:gd name="adj" fmla="val 31667"/>
+            </a:avLst>
+          </a:prstGeom>
+          <a:solidFill>
+            <a:srgbClr val="00DFF0"/>
+          </a:solidFill>
+          <a:effectLst>
+            <a:outerShdw blurRad="50800" dist="38100" dir="18900000" algn="bl" rotWithShape="0">
+              <a:prstClr val="black">
+                <a:alpha val="40000"/>
+              </a:prstClr>
+            </a:outerShdw>
+          </a:effectLst>
+        </p:spPr>
+        <p:style>
+          <a:lnRef idx="2">
+            <a:schemeClr val="accent1">
+              <a:shade val="50000"/>
+            </a:schemeClr>
+          </a:lnRef>
+          <a:fillRef idx="1">
+            <a:schemeClr val="accent1"/>
+          </a:fillRef>
+          <a:effectRef idx="0">
+            <a:schemeClr val="accent1"/>
+          </a:effectRef>
+          <a:fontRef idx="minor">
+            <a:schemeClr val="lt1"/>
+          </a:fontRef>
+        </p:style>
+        <p:txBody>
+          <a:bodyPr rtlCol="0" anchor="ctr"/>
+          <a:lstStyle/>
+          <a:p>
+            <a:pPr algn="ctr"/>
+            <a:endParaRPr lang="en-US"/>
+          </a:p>
+        </p:txBody>
+      </p:sp>
+      <p:sp>
+        <p:nvSpPr>
+          <p:cNvPr id="18" name="Rounded Rectangle 17">
+            <a:extLst>
+              <a:ext uri="{FF2B5EF4-FFF2-40B4-BE49-F238E27FC236}">
+                <a16:creationId xmlns:a16="http://schemas.microsoft.com/office/drawing/2014/main" id="{B741E794-8C6F-2F43-816C-47B6F74162DE}"/>
+              </a:ext>
+            </a:extLst>
+          </p:cNvPr>
+          <p:cNvSpPr/>
+          <p:nvPr/>
+        </p:nvSpPr>
+        <p:spPr>
+          <a:xfrm>
+            <a:off x="2593454" y="3429000"/>
+            <a:ext cx="312420" cy="655320"/>
+          </a:xfrm>
+          <a:prstGeom prst="roundRect">
+            <a:avLst>
+              <a:gd name="adj" fmla="val 31667"/>
+            </a:avLst>
+          </a:prstGeom>
+          <a:solidFill>
+            <a:srgbClr val="00DFF0"/>
+          </a:solidFill>
+          <a:effectLst>
+            <a:outerShdw blurRad="50800" dist="38100" dir="16200000" rotWithShape="0">
+              <a:prstClr val="black">
+                <a:alpha val="40000"/>
+              </a:prstClr>
+            </a:outerShdw>
+          </a:effectLst>
+        </p:spPr>
+        <p:style>
+          <a:lnRef idx="2">
+            <a:schemeClr val="accent1">
+              <a:shade val="50000"/>
+            </a:schemeClr>
+          </a:lnRef>
+          <a:fillRef idx="1">
+            <a:schemeClr val="accent1"/>
+          </a:fillRef>
+          <a:effectRef idx="0">
+            <a:schemeClr val="accent1"/>
+          </a:effectRef>
+          <a:fontRef idx="minor">
+            <a:schemeClr val="lt1"/>
+          </a:fontRef>
+        </p:style>
+        <p:txBody>
+          <a:bodyPr rtlCol="0" anchor="ctr"/>
+          <a:lstStyle/>
+          <a:p>
+            <a:pPr algn="ctr"/>
+            <a:endParaRPr lang="en-US"/>
+          </a:p>
+        </p:txBody>
+      </p:sp>
+      <p:sp>
+        <p:nvSpPr>
+          <p:cNvPr id="19" name="Rounded Rectangle 18">
+            <a:extLst>
+              <a:ext uri="{FF2B5EF4-FFF2-40B4-BE49-F238E27FC236}">
+                <a16:creationId xmlns:a16="http://schemas.microsoft.com/office/drawing/2014/main" id="{9938746B-A6D4-B64A-998B-9D5C25DC6F87}"/>
+              </a:ext>
+            </a:extLst>
+          </p:cNvPr>
+          <p:cNvSpPr/>
+          <p:nvPr/>
+        </p:nvSpPr>
+        <p:spPr>
+          <a:xfrm>
+            <a:off x="4048874" y="3421380"/>
+            <a:ext cx="312420" cy="655320"/>
+          </a:xfrm>
+          <a:prstGeom prst="roundRect">
+            <a:avLst>
+              <a:gd name="adj" fmla="val 31667"/>
+            </a:avLst>
+          </a:prstGeom>
+          <a:solidFill>
+            <a:srgbClr val="00DFF0"/>
+          </a:solidFill>
+          <a:effectLst>
+            <a:outerShdw blurRad="50800" dist="38100" dir="13500000" algn="br" rotWithShape="0">
+              <a:prstClr val="black">
+                <a:alpha val="40000"/>
+              </a:prstClr>
+            </a:outerShdw>
+          </a:effectLst>
+        </p:spPr>
+        <p:style>
+          <a:lnRef idx="2">
+            <a:schemeClr val="accent1">
+              <a:shade val="50000"/>
+            </a:schemeClr>
+          </a:lnRef>
+          <a:fillRef idx="1">
+            <a:schemeClr val="accent1"/>
+          </a:fillRef>
+          <a:effectRef idx="0">
+            <a:schemeClr val="accent1"/>
+          </a:effectRef>
+          <a:fontRef idx="minor">
+            <a:schemeClr val="lt1"/>
+          </a:fontRef>
+        </p:style>
+        <p:txBody>
+          <a:bodyPr rtlCol="0" anchor="ctr"/>
+          <a:lstStyle/>
+          <a:p>
+            <a:pPr algn="ctr"/>
+            <a:endParaRPr lang="en-US"/>
+          </a:p>
+        </p:txBody>
+      </p:sp>
+      <p:sp>
+        <p:nvSpPr>
+          <p:cNvPr id="20" name="Rounded Rectangle 19">
+            <a:extLst>
+              <a:ext uri="{FF2B5EF4-FFF2-40B4-BE49-F238E27FC236}">
+                <a16:creationId xmlns:a16="http://schemas.microsoft.com/office/drawing/2014/main" id="{71D85FF4-A771-5142-A9CB-E7363B2153EB}"/>
+              </a:ext>
+            </a:extLst>
+          </p:cNvPr>
+          <p:cNvSpPr/>
+          <p:nvPr/>
+        </p:nvSpPr>
+        <p:spPr>
+          <a:xfrm>
+            <a:off x="1954850" y="2590800"/>
+            <a:ext cx="259916" cy="1121926"/>
+          </a:xfrm>
+          <a:prstGeom prst="roundRect">
+            <a:avLst/>
+          </a:prstGeom>
+          <a:solidFill>
+            <a:srgbClr val="FFFF5A"/>
+          </a:solidFill>
+          <a:ln w="25400">
+            <a:solidFill>
+              <a:schemeClr val="accent6">
+                <a:lumMod val="50000"/>
+              </a:schemeClr>
+            </a:solidFill>
+          </a:ln>
+          <a:effectLst>
+            <a:outerShdw blurRad="88900" dist="38100" dir="2700000" algn="tl" rotWithShape="0">
+              <a:prstClr val="black">
+                <a:alpha val="40000"/>
+              </a:prstClr>
+            </a:outerShdw>
+          </a:effectLst>
+        </p:spPr>
+        <p:style>
+          <a:lnRef idx="2">
+            <a:schemeClr val="accent1">
+              <a:shade val="50000"/>
+            </a:schemeClr>
+          </a:lnRef>
+          <a:fillRef idx="1">
+            <a:schemeClr val="accent1"/>
+          </a:fillRef>
+          <a:effectRef idx="0">
+            <a:schemeClr val="accent1"/>
+          </a:effectRef>
+          <a:fontRef idx="minor">
+            <a:schemeClr val="lt1"/>
+          </a:fontRef>
+        </p:style>
+        <p:txBody>
+          <a:bodyPr rtlCol="0" anchor="ctr"/>
+          <a:lstStyle/>
+          <a:p>
+            <a:pPr algn="ctr"/>
+            <a:endParaRPr lang="en-US" dirty="0"/>
+          </a:p>
+        </p:txBody>
+      </p:sp>
+      <p:sp>
+        <p:nvSpPr>
+          <p:cNvPr id="21" name="Rounded Rectangle 20">
+            <a:extLst>
+              <a:ext uri="{FF2B5EF4-FFF2-40B4-BE49-F238E27FC236}">
+                <a16:creationId xmlns:a16="http://schemas.microsoft.com/office/drawing/2014/main" id="{175D8D91-8C6F-2C44-89CB-027BD000B0E1}"/>
+              </a:ext>
+            </a:extLst>
+          </p:cNvPr>
+          <p:cNvSpPr/>
+          <p:nvPr/>
+        </p:nvSpPr>
+        <p:spPr>
+          <a:xfrm>
+            <a:off x="3327777" y="2251947"/>
+            <a:ext cx="259916" cy="1824743"/>
+          </a:xfrm>
+          <a:prstGeom prst="roundRect">
+            <a:avLst/>
+          </a:prstGeom>
+          <a:solidFill>
+            <a:srgbClr val="FFFF5A"/>
+          </a:solidFill>
+          <a:ln w="25400">
+            <a:solidFill>
+              <a:schemeClr val="accent6">
+                <a:lumMod val="50000"/>
+              </a:schemeClr>
+            </a:solidFill>
+          </a:ln>
+          <a:effectLst>
+            <a:outerShdw blurRad="88900" dist="38100" dir="5400000" algn="t" rotWithShape="0">
+              <a:prstClr val="black">
+                <a:alpha val="40000"/>
+              </a:prstClr>
+            </a:outerShdw>
+          </a:effectLst>
+        </p:spPr>
+        <p:style>
+          <a:lnRef idx="2">
+            <a:schemeClr val="accent1">
+              <a:shade val="50000"/>
+            </a:schemeClr>
+          </a:lnRef>
+          <a:fillRef idx="1">
+            <a:schemeClr val="accent1"/>
+          </a:fillRef>
+          <a:effectRef idx="0">
+            <a:schemeClr val="accent1"/>
+          </a:effectRef>
+          <a:fontRef idx="minor">
+            <a:schemeClr val="lt1"/>
+          </a:fontRef>
+        </p:style>
+        <p:txBody>
+          <a:bodyPr rtlCol="0" anchor="ctr"/>
+          <a:lstStyle/>
+          <a:p>
+            <a:pPr algn="ctr"/>
+            <a:endParaRPr lang="en-US" dirty="0"/>
+          </a:p>
+        </p:txBody>
+      </p:sp>
+      <p:sp>
+        <p:nvSpPr>
+          <p:cNvPr id="22" name="Rounded Rectangle 21">
+            <a:extLst>
+              <a:ext uri="{FF2B5EF4-FFF2-40B4-BE49-F238E27FC236}">
+                <a16:creationId xmlns:a16="http://schemas.microsoft.com/office/drawing/2014/main" id="{A53AE9E4-2343-B742-BA3A-65E215EE211B}"/>
+              </a:ext>
+            </a:extLst>
+          </p:cNvPr>
+          <p:cNvSpPr/>
+          <p:nvPr/>
+        </p:nvSpPr>
+        <p:spPr>
+          <a:xfrm>
+            <a:off x="4707415" y="1935488"/>
+            <a:ext cx="259916" cy="1703767"/>
+          </a:xfrm>
+          <a:prstGeom prst="roundRect">
+            <a:avLst/>
+          </a:prstGeom>
+          <a:solidFill>
+            <a:srgbClr val="FFFF5A"/>
+          </a:solidFill>
+          <a:ln w="25400">
+            <a:solidFill>
+              <a:schemeClr val="accent6">
+                <a:lumMod val="50000"/>
+              </a:schemeClr>
+            </a:solidFill>
+          </a:ln>
+          <a:effectLst>
+            <a:outerShdw blurRad="88900" dist="38100" dir="8100000" algn="tr" rotWithShape="0">
+              <a:prstClr val="black">
+                <a:alpha val="40000"/>
+              </a:prstClr>
+            </a:outerShdw>
+          </a:effectLst>
+        </p:spPr>
+        <p:style>
+          <a:lnRef idx="2">
+            <a:schemeClr val="accent1">
+              <a:shade val="50000"/>
+            </a:schemeClr>
+          </a:lnRef>
+          <a:fillRef idx="1">
+            <a:schemeClr val="accent1"/>
+          </a:fillRef>
+          <a:effectRef idx="0">
+            <a:schemeClr val="accent1"/>
+          </a:effectRef>
+          <a:fontRef idx="minor">
+            <a:schemeClr val="lt1"/>
+          </a:fontRef>
+        </p:style>
+        <p:txBody>
+          <a:bodyPr rtlCol="0" anchor="ctr"/>
+          <a:lstStyle/>
+          <a:p>
+            <a:pPr algn="ctr"/>
+            <a:endParaRPr lang="en-US" dirty="0"/>
+          </a:p>
+        </p:txBody>
+      </p:sp>
+      <p:cxnSp>
+        <p:nvCxnSpPr>
+          <p:cNvPr id="27" name="Elbow Connector 26">
+            <a:extLst>
+              <a:ext uri="{FF2B5EF4-FFF2-40B4-BE49-F238E27FC236}">
+                <a16:creationId xmlns:a16="http://schemas.microsoft.com/office/drawing/2014/main" id="{F6F594C4-9F85-1B47-B353-E0455A35B592}"/>
+              </a:ext>
+            </a:extLst>
+          </p:cNvPr>
+          <p:cNvCxnSpPr>
+            <a:cxnSpLocks/>
+          </p:cNvCxnSpPr>
+          <p:nvPr/>
+        </p:nvCxnSpPr>
+        <p:spPr>
+          <a:xfrm flipV="1">
+            <a:off x="1493840" y="1646033"/>
+            <a:ext cx="480060" cy="167640"/>
+          </a:xfrm>
+          <a:prstGeom prst="bentConnector3">
+            <a:avLst>
+              <a:gd name="adj1" fmla="val -2381"/>
+            </a:avLst>
+          </a:prstGeom>
+          <a:ln w="25400">
+            <a:solidFill>
+              <a:srgbClr val="FF0000"/>
+            </a:solidFill>
+            <a:tailEnd type="triangle"/>
+          </a:ln>
+        </p:spPr>
+        <p:style>
+          <a:lnRef idx="1">
+            <a:schemeClr val="accent1"/>
+          </a:lnRef>
+          <a:fillRef idx="0">
+            <a:schemeClr val="accent1"/>
+          </a:fillRef>
+          <a:effectRef idx="0">
+            <a:schemeClr val="accent1"/>
+          </a:effectRef>
+          <a:fontRef idx="minor">
+            <a:schemeClr val="tx1"/>
+          </a:fontRef>
+        </p:style>
+      </p:cxnSp>
+      <mc:AlternateContent xmlns:mc="http://schemas.openxmlformats.org/markup-compatibility/2006">
+        <mc:Choice xmlns:a14="http://schemas.microsoft.com/office/drawing/2010/main" Requires="a14">
+          <p:sp>
+            <p:nvSpPr>
+              <p:cNvPr id="31" name="TextBox 30">
+                <a:extLst>
+                  <a:ext uri="{FF2B5EF4-FFF2-40B4-BE49-F238E27FC236}">
+                    <a16:creationId xmlns:a16="http://schemas.microsoft.com/office/drawing/2014/main" id="{627CD669-3454-7744-A45F-34819A4EC16D}"/>
+                  </a:ext>
+                </a:extLst>
+              </p:cNvPr>
+              <p:cNvSpPr txBox="1"/>
+              <p:nvPr/>
+            </p:nvSpPr>
+            <p:spPr>
+              <a:xfrm>
+                <a:off x="1954850" y="1347702"/>
+                <a:ext cx="1198726" cy="473591"/>
+              </a:xfrm>
+              <a:prstGeom prst="rect">
+                <a:avLst/>
+              </a:prstGeom>
+              <a:noFill/>
+            </p:spPr>
+            <p:txBody>
+              <a:bodyPr wrap="none" rtlCol="0">
+                <a:spAutoFit/>
+              </a:bodyPr>
+              <a:lstStyle/>
+              <a:p>
+                <a14:m>
+                  <m:oMathPara xmlns:m="http://schemas.openxmlformats.org/officeDocument/2006/math">
+                    <m:oMathParaPr>
+                      <m:jc m:val="centerGroup"/>
+                    </m:oMathParaPr>
+                    <m:oMath xmlns:m="http://schemas.openxmlformats.org/officeDocument/2006/math">
+                      <m:sSup>
+                        <m:sSupPr>
+                          <m:ctrlPr>
+                            <a:rPr lang="en-US" sz="2400" i="1" smtClean="0">
+                              <a:latin typeface="Cambria Math" panose="02040503050406030204" pitchFamily="18" charset="0"/>
+                            </a:rPr>
+                          </m:ctrlPr>
+                        </m:sSupPr>
+                        <m:e>
+                          <m:r>
+                            <a:rPr lang="en-US" sz="2400" b="0" i="1" smtClean="0">
+                              <a:latin typeface="Cambria Math" panose="02040503050406030204" pitchFamily="18" charset="0"/>
+                            </a:rPr>
+                            <m:t>𝑒</m:t>
+                          </m:r>
+                        </m:e>
+                        <m:sup>
+                          <m:r>
+                            <a:rPr lang="en-US" sz="2400" b="0" i="1" smtClean="0">
+                              <a:latin typeface="Cambria Math" panose="02040503050406030204" pitchFamily="18" charset="0"/>
+                            </a:rPr>
+                            <m:t>−</m:t>
+                          </m:r>
+                          <m:r>
+                            <a:rPr lang="en-US" sz="2400" b="0" i="1" smtClean="0">
+                              <a:latin typeface="Cambria Math" panose="02040503050406030204" pitchFamily="18" charset="0"/>
+                            </a:rPr>
+                            <m:t>𝑖</m:t>
+                          </m:r>
+                          <m:r>
+                            <a:rPr lang="en-US" sz="2400" b="0" i="1" smtClean="0">
+                              <a:latin typeface="Cambria Math" panose="02040503050406030204" pitchFamily="18" charset="0"/>
+                            </a:rPr>
+                            <m:t> </m:t>
+                          </m:r>
+                          <m:sSub>
+                            <m:sSubPr>
+                              <m:ctrlPr>
+                                <a:rPr lang="en-US" sz="2400" b="0" i="1" smtClean="0">
+                                  <a:latin typeface="Cambria Math" panose="02040503050406030204" pitchFamily="18" charset="0"/>
+                                </a:rPr>
+                              </m:ctrlPr>
+                            </m:sSubPr>
+                            <m:e>
+                              <m:r>
+                                <a:rPr lang="en-US" sz="2400" b="0" i="1" smtClean="0">
+                                  <a:latin typeface="Cambria Math" panose="02040503050406030204" pitchFamily="18" charset="0"/>
+                                </a:rPr>
+                                <m:t>𝐻</m:t>
+                              </m:r>
+                            </m:e>
+                            <m:sub>
+                              <m:r>
+                                <a:rPr lang="en-US" sz="2400" b="0" i="1" smtClean="0">
+                                  <a:latin typeface="Cambria Math" panose="02040503050406030204" pitchFamily="18" charset="0"/>
+                                </a:rPr>
+                                <m:t>𝑀</m:t>
+                              </m:r>
+                            </m:sub>
+                          </m:sSub>
+                          <m:r>
+                            <a:rPr lang="en-US" sz="2400" b="0" i="1" smtClean="0">
+                              <a:latin typeface="Cambria Math" panose="02040503050406030204" pitchFamily="18" charset="0"/>
+                            </a:rPr>
+                            <m:t>𝑡</m:t>
+                          </m:r>
+                        </m:sup>
+                      </m:sSup>
+                    </m:oMath>
+                  </m:oMathPara>
+                </a14:m>
+                <a:endParaRPr lang="en-US" sz="2400" dirty="0"/>
+              </a:p>
+            </p:txBody>
+          </p:sp>
+        </mc:Choice>
+        <mc:Fallback>
+          <p:sp>
+            <p:nvSpPr>
+              <p:cNvPr id="31" name="TextBox 30">
+                <a:extLst>
+                  <a:ext uri="{FF2B5EF4-FFF2-40B4-BE49-F238E27FC236}">
+                    <a16:creationId xmlns:a16="http://schemas.microsoft.com/office/drawing/2014/main" id="{627CD669-3454-7744-A45F-34819A4EC16D}"/>
+                  </a:ext>
+                </a:extLst>
+              </p:cNvPr>
+              <p:cNvSpPr txBox="1">
+                <a:spLocks noRot="1" noChangeAspect="1" noMove="1" noResize="1" noEditPoints="1" noAdjustHandles="1" noChangeArrowheads="1" noChangeShapeType="1" noTextEdit="1"/>
+              </p:cNvSpPr>
+              <p:nvPr/>
+            </p:nvSpPr>
+            <p:spPr>
+              <a:xfrm>
+                <a:off x="1954850" y="1347702"/>
+                <a:ext cx="1198726" cy="473591"/>
+              </a:xfrm>
+              <a:prstGeom prst="rect">
+                <a:avLst/>
+              </a:prstGeom>
+              <a:blipFill>
+                <a:blip r:embed="rId4"/>
+                <a:stretch>
+                  <a:fillRect/>
+                </a:stretch>
+              </a:blipFill>
+            </p:spPr>
+            <p:txBody>
+              <a:bodyPr/>
+              <a:lstStyle/>
+              <a:p>
+                <a:r>
+                  <a:rPr lang="en-US">
+                    <a:noFill/>
+                  </a:rPr>
+                  <a:t> </a:t>
+                </a:r>
+              </a:p>
+            </p:txBody>
+          </p:sp>
+        </mc:Fallback>
+      </mc:AlternateContent>
+      <p:pic>
+        <p:nvPicPr>
+          <p:cNvPr id="1026" name="Picture 2" descr="Metal Detector - Outline - Wired - Lordicon">
+            <a:extLst>
+              <a:ext uri="{FF2B5EF4-FFF2-40B4-BE49-F238E27FC236}">
+                <a16:creationId xmlns:a16="http://schemas.microsoft.com/office/drawing/2014/main" id="{A550EEB7-867F-5A46-AA75-522C6B4517F2}"/>
+              </a:ext>
+            </a:extLst>
+          </p:cNvPr>
+          <p:cNvPicPr>
+            <a:picLocks noChangeAspect="1" noChangeArrowheads="1"/>
+          </p:cNvPicPr>
+          <p:nvPr/>
+        </p:nvPicPr>
+        <p:blipFill>
+          <a:blip r:embed="rId5">
+            <a:extLst>
+              <a:ext uri="{28A0092B-C50C-407E-A947-70E740481C1C}">
+                <a14:useLocalDpi xmlns:a14="http://schemas.microsoft.com/office/drawing/2010/main" val="0"/>
+              </a:ext>
+            </a:extLst>
+          </a:blip>
+          <a:srcRect/>
+          <a:stretch>
+            <a:fillRect/>
+          </a:stretch>
+        </p:blipFill>
+        <p:spPr bwMode="auto">
+          <a:xfrm>
+            <a:off x="5549387" y="3418982"/>
+            <a:ext cx="657708" cy="657708"/>
+          </a:xfrm>
+          <a:prstGeom prst="rect">
+            <a:avLst/>
+          </a:prstGeom>
+          <a:noFill/>
+          <a:extLst>
+            <a:ext uri="{909E8E84-426E-40DD-AFC4-6F175D3DCCD1}">
+              <a14:hiddenFill xmlns:a14="http://schemas.microsoft.com/office/drawing/2010/main">
+                <a:solidFill>
+                  <a:srgbClr val="FFFFFF"/>
+                </a:solidFill>
+              </a14:hiddenFill>
+            </a:ext>
+          </a:extLst>
+        </p:spPr>
+      </p:pic>
+      <p:sp>
+        <p:nvSpPr>
+          <p:cNvPr id="32" name="Round Same Side Corner Rectangle 31">
+            <a:extLst>
+              <a:ext uri="{FF2B5EF4-FFF2-40B4-BE49-F238E27FC236}">
+                <a16:creationId xmlns:a16="http://schemas.microsoft.com/office/drawing/2014/main" id="{39A89171-0EC2-A64D-AD20-849C739968ED}"/>
+              </a:ext>
+            </a:extLst>
+          </p:cNvPr>
+          <p:cNvSpPr/>
+          <p:nvPr/>
+        </p:nvSpPr>
+        <p:spPr>
+          <a:xfrm>
+            <a:off x="5543305" y="3406140"/>
+            <a:ext cx="720335" cy="655313"/>
+          </a:xfrm>
+          <a:prstGeom prst="round2SameRect">
+            <a:avLst/>
+          </a:prstGeom>
+          <a:noFill/>
+          <a:ln w="38100">
+            <a:solidFill>
+              <a:srgbClr val="0432FF"/>
+            </a:solidFill>
+          </a:ln>
+          <a:effectLst>
+            <a:outerShdw blurRad="88900" dist="38100" dir="10800000" algn="r" rotWithShape="0">
+              <a:prstClr val="black">
+                <a:alpha val="40000"/>
+              </a:prstClr>
+            </a:outerShdw>
+          </a:effectLst>
+        </p:spPr>
+        <p:style>
+          <a:lnRef idx="2">
+            <a:schemeClr val="accent1">
+              <a:shade val="50000"/>
+            </a:schemeClr>
+          </a:lnRef>
+          <a:fillRef idx="1">
+            <a:schemeClr val="accent1"/>
+          </a:fillRef>
+          <a:effectRef idx="0">
+            <a:schemeClr val="accent1"/>
+          </a:effectRef>
+          <a:fontRef idx="minor">
+            <a:schemeClr val="lt1"/>
+          </a:fontRef>
+        </p:style>
+        <p:txBody>
+          <a:bodyPr rtlCol="0" anchor="ctr"/>
+          <a:lstStyle/>
+          <a:p>
+            <a:pPr algn="ctr"/>
+            <a:endParaRPr lang="en-US"/>
+          </a:p>
+        </p:txBody>
+      </p:sp>
+      <p:sp>
+        <p:nvSpPr>
+          <p:cNvPr id="35" name="Down Arrow 34">
+            <a:extLst>
+              <a:ext uri="{FF2B5EF4-FFF2-40B4-BE49-F238E27FC236}">
+                <a16:creationId xmlns:a16="http://schemas.microsoft.com/office/drawing/2014/main" id="{7FD04990-6A55-3C47-8407-4051FF6FF016}"/>
+              </a:ext>
+            </a:extLst>
+          </p:cNvPr>
+          <p:cNvSpPr/>
+          <p:nvPr/>
+        </p:nvSpPr>
+        <p:spPr>
+          <a:xfrm rot="16200000">
+            <a:off x="6466467" y="3561033"/>
+            <a:ext cx="439749" cy="419521"/>
+          </a:xfrm>
+          <a:prstGeom prst="downArrow">
+            <a:avLst/>
+          </a:prstGeom>
+          <a:solidFill>
+            <a:schemeClr val="bg1">
+              <a:lumMod val="65000"/>
+            </a:schemeClr>
+          </a:solidFill>
+          <a:ln>
+            <a:solidFill>
+              <a:schemeClr val="tx1"/>
+            </a:solidFill>
+          </a:ln>
+        </p:spPr>
+        <p:style>
+          <a:lnRef idx="2">
+            <a:schemeClr val="accent1">
+              <a:shade val="50000"/>
+            </a:schemeClr>
+          </a:lnRef>
+          <a:fillRef idx="1">
+            <a:schemeClr val="accent1"/>
+          </a:fillRef>
+          <a:effectRef idx="0">
+            <a:schemeClr val="accent1"/>
+          </a:effectRef>
+          <a:fontRef idx="minor">
+            <a:schemeClr val="lt1"/>
+          </a:fontRef>
+        </p:style>
+        <p:txBody>
+          <a:bodyPr rtlCol="0" anchor="ctr"/>
+          <a:lstStyle/>
+          <a:p>
+            <a:pPr algn="ctr"/>
+            <a:endParaRPr lang="en-US" dirty="0"/>
+          </a:p>
+        </p:txBody>
+      </p:sp>
+      <mc:AlternateContent xmlns:mc="http://schemas.openxmlformats.org/markup-compatibility/2006">
+        <mc:Choice xmlns:a14="http://schemas.microsoft.com/office/drawing/2010/main" Requires="a14">
+          <p:sp>
+            <p:nvSpPr>
+              <p:cNvPr id="33" name="TextBox 32">
+                <a:extLst>
+                  <a:ext uri="{FF2B5EF4-FFF2-40B4-BE49-F238E27FC236}">
+                    <a16:creationId xmlns:a16="http://schemas.microsoft.com/office/drawing/2014/main" id="{632CF0CB-8BA9-EC44-83EF-31D05FC0F09E}"/>
+                  </a:ext>
+                </a:extLst>
+              </p:cNvPr>
+              <p:cNvSpPr txBox="1"/>
+              <p:nvPr/>
+            </p:nvSpPr>
+            <p:spPr>
+              <a:xfrm>
+                <a:off x="7453535" y="1835189"/>
+                <a:ext cx="3242298" cy="276999"/>
+              </a:xfrm>
+              <a:prstGeom prst="rect">
+                <a:avLst/>
+              </a:prstGeom>
+              <a:noFill/>
+              <a:ln>
+                <a:noFill/>
+              </a:ln>
+            </p:spPr>
+            <p:txBody>
+              <a:bodyPr wrap="square" lIns="0" tIns="0" rIns="0" bIns="0" rtlCol="0">
+                <a:spAutoFit/>
+              </a:bodyPr>
+              <a:lstStyle/>
+              <a:p>
+                <a14:m>
+                  <m:oMathPara xmlns:m="http://schemas.openxmlformats.org/officeDocument/2006/math">
+                    <m:oMathParaPr>
+                      <m:jc m:val="centerGroup"/>
+                    </m:oMathParaPr>
+                    <m:oMath xmlns:m="http://schemas.openxmlformats.org/officeDocument/2006/math">
+                      <m:r>
+                        <a:rPr lang="en-US" b="0" i="1" smtClean="0">
+                          <a:latin typeface="Cambria Math" panose="02040503050406030204" pitchFamily="18" charset="0"/>
+                        </a:rPr>
+                        <m:t>{</m:t>
+                      </m:r>
+                      <m:d>
+                        <m:dPr>
+                          <m:begChr m:val="{"/>
+                          <m:endChr m:val="}"/>
+                          <m:ctrlPr>
+                            <a:rPr lang="en-US" b="0" i="1" smtClean="0">
+                              <a:latin typeface="Cambria Math" panose="02040503050406030204" pitchFamily="18" charset="0"/>
+                            </a:rPr>
+                          </m:ctrlPr>
+                        </m:dPr>
+                        <m:e>
+                          <m:sSub>
+                            <m:sSubPr>
+                              <m:ctrlPr>
+                                <a:rPr lang="en-US" b="0" i="1" smtClean="0"/>
+                              </m:ctrlPr>
+                            </m:sSubPr>
+                            <m:e>
+                              <m:r>
+                                <a:rPr lang="en-US" b="0" i="1" smtClean="0"/>
+                                <m:t>𝑀</m:t>
+                              </m:r>
+                            </m:e>
+                            <m:sub>
+                              <m:r>
+                                <a:rPr lang="en-US" b="0" i="1" smtClean="0"/>
+                                <m:t>𝑚</m:t>
+                              </m:r>
+                              <m:r>
+                                <a:rPr lang="en-US" b="0" i="1" baseline="-25000" smtClean="0"/>
+                                <m:t>3</m:t>
+                              </m:r>
+                            </m:sub>
+                          </m:sSub>
+                          <m:d>
+                            <m:dPr>
+                              <m:ctrlPr>
+                                <a:rPr lang="en-US" b="0" i="1" smtClean="0"/>
+                              </m:ctrlPr>
+                            </m:dPr>
+                            <m:e>
+                              <m:r>
+                                <a:rPr lang="en-US" b="0" i="1" smtClean="0"/>
+                                <m:t>𝑡</m:t>
+                              </m:r>
+                              <m:r>
+                                <a:rPr lang="en-US" b="0" i="1" baseline="-25000" smtClean="0"/>
+                                <m:t>1</m:t>
+                              </m:r>
+                            </m:e>
+                          </m:d>
+                          <m:r>
+                            <a:rPr lang="en-US" b="0" i="1" smtClean="0"/>
+                            <m:t>,</m:t>
+                          </m:r>
+                          <m:sSub>
+                            <m:sSubPr>
+                              <m:ctrlPr>
+                                <a:rPr lang="en-US" b="0" i="1" smtClean="0">
+                                  <a:latin typeface="Cambria Math" panose="02040503050406030204" pitchFamily="18" charset="0"/>
+                                </a:rPr>
+                              </m:ctrlPr>
+                            </m:sSubPr>
+                            <m:e>
+                              <m:r>
+                                <a:rPr lang="en-US" b="0" i="1" smtClean="0">
+                                  <a:latin typeface="Cambria Math" panose="02040503050406030204" pitchFamily="18" charset="0"/>
+                                </a:rPr>
+                                <m:t>𝑀</m:t>
+                              </m:r>
+                            </m:e>
+                            <m:sub>
+                              <m:r>
+                                <a:rPr lang="en-US" b="0" i="1" smtClean="0">
+                                  <a:latin typeface="Cambria Math" panose="02040503050406030204" pitchFamily="18" charset="0"/>
+                                </a:rPr>
+                                <m:t>𝑚</m:t>
+                              </m:r>
+                              <m:r>
+                                <a:rPr lang="en-US" b="0" i="1" baseline="-25000" smtClean="0">
+                                  <a:latin typeface="Cambria Math" panose="02040503050406030204" pitchFamily="18" charset="0"/>
+                                </a:rPr>
+                                <m:t>2</m:t>
+                              </m:r>
+                            </m:sub>
+                          </m:sSub>
+                          <m:d>
+                            <m:dPr>
+                              <m:ctrlPr>
+                                <a:rPr lang="en-US" b="0" i="1" smtClean="0">
+                                  <a:latin typeface="Cambria Math" panose="02040503050406030204" pitchFamily="18" charset="0"/>
+                                </a:rPr>
+                              </m:ctrlPr>
+                            </m:dPr>
+                            <m:e>
+                              <m:r>
+                                <a:rPr lang="en-US" b="0" i="1" smtClean="0">
+                                  <a:latin typeface="Cambria Math" panose="02040503050406030204" pitchFamily="18" charset="0"/>
+                                </a:rPr>
+                                <m:t>𝑡</m:t>
+                              </m:r>
+                              <m:r>
+                                <a:rPr lang="en-US" b="0" i="1" baseline="-25000" smtClean="0">
+                                  <a:latin typeface="Cambria Math" panose="02040503050406030204" pitchFamily="18" charset="0"/>
+                                </a:rPr>
+                                <m:t>2</m:t>
+                              </m:r>
+                            </m:e>
+                          </m:d>
+                        </m:e>
+                      </m:d>
+                      <m:r>
+                        <a:rPr lang="en-US" b="0" i="1" baseline="-25000" smtClean="0">
+                          <a:latin typeface="Cambria Math" panose="02040503050406030204" pitchFamily="18" charset="0"/>
+                          <a:ea typeface="Cambria Math" panose="02040503050406030204" pitchFamily="18" charset="0"/>
+                        </a:rPr>
+                        <m:t>±</m:t>
+                      </m:r>
+                      <m:r>
+                        <a:rPr lang="en-US" b="0" i="1" smtClean="0">
+                          <a:latin typeface="Cambria Math" panose="02040503050406030204" pitchFamily="18" charset="0"/>
+                        </a:rPr>
+                        <m:t>,</m:t>
+                      </m:r>
+                      <m:sSub>
+                        <m:sSubPr>
+                          <m:ctrlPr>
+                            <a:rPr lang="en-US" b="0" i="1" smtClean="0">
+                              <a:latin typeface="Cambria Math" panose="02040503050406030204" pitchFamily="18" charset="0"/>
+                            </a:rPr>
+                          </m:ctrlPr>
+                        </m:sSubPr>
+                        <m:e>
+                          <m:r>
+                            <a:rPr lang="en-US" b="0" i="1" smtClean="0">
+                              <a:latin typeface="Cambria Math" panose="02040503050406030204" pitchFamily="18" charset="0"/>
+                            </a:rPr>
+                            <m:t>𝑀</m:t>
+                          </m:r>
+                        </m:e>
+                        <m:sub>
+                          <m:r>
+                            <a:rPr lang="en-US" b="0" i="1" smtClean="0">
+                              <a:latin typeface="Cambria Math" panose="02040503050406030204" pitchFamily="18" charset="0"/>
+                            </a:rPr>
+                            <m:t>𝑚</m:t>
+                          </m:r>
+                          <m:r>
+                            <a:rPr lang="en-US" b="0" i="1" baseline="-25000" smtClean="0">
+                              <a:latin typeface="Cambria Math" panose="02040503050406030204" pitchFamily="18" charset="0"/>
+                            </a:rPr>
+                            <m:t>2</m:t>
+                          </m:r>
+                        </m:sub>
+                      </m:sSub>
+                      <m:d>
+                        <m:dPr>
+                          <m:ctrlPr>
+                            <a:rPr lang="en-US" b="0" i="1" smtClean="0">
+                              <a:latin typeface="Cambria Math" panose="02040503050406030204" pitchFamily="18" charset="0"/>
+                            </a:rPr>
+                          </m:ctrlPr>
+                        </m:dPr>
+                        <m:e>
+                          <m:r>
+                            <a:rPr lang="en-US" b="0" i="1" smtClean="0">
+                              <a:latin typeface="Cambria Math" panose="02040503050406030204" pitchFamily="18" charset="0"/>
+                            </a:rPr>
+                            <m:t>𝑡</m:t>
+                          </m:r>
+                          <m:r>
+                            <a:rPr lang="en-US" b="0" i="1" baseline="-25000" smtClean="0">
+                              <a:latin typeface="Cambria Math" panose="02040503050406030204" pitchFamily="18" charset="0"/>
+                            </a:rPr>
+                            <m:t>3</m:t>
+                          </m:r>
+                        </m:e>
+                      </m:d>
+                      <m:r>
+                        <a:rPr lang="en-US" b="0" i="1" smtClean="0">
+                          <a:latin typeface="Cambria Math" panose="02040503050406030204" pitchFamily="18" charset="0"/>
+                        </a:rPr>
+                        <m:t>}</m:t>
+                      </m:r>
+                      <m:r>
+                        <a:rPr lang="en-US" i="1" baseline="-25000">
+                          <a:latin typeface="Cambria Math" panose="02040503050406030204" pitchFamily="18" charset="0"/>
+                          <a:ea typeface="Cambria Math" panose="02040503050406030204" pitchFamily="18" charset="0"/>
+                        </a:rPr>
+                        <m:t>±</m:t>
+                      </m:r>
+                    </m:oMath>
+                  </m:oMathPara>
+                </a14:m>
+                <a:endParaRPr lang="en-US" dirty="0"/>
+              </a:p>
+            </p:txBody>
+          </p:sp>
+        </mc:Choice>
+        <mc:Fallback>
+          <p:sp>
+            <p:nvSpPr>
+              <p:cNvPr id="33" name="TextBox 32">
+                <a:extLst>
+                  <a:ext uri="{FF2B5EF4-FFF2-40B4-BE49-F238E27FC236}">
+                    <a16:creationId xmlns:a16="http://schemas.microsoft.com/office/drawing/2014/main" id="{632CF0CB-8BA9-EC44-83EF-31D05FC0F09E}"/>
+                  </a:ext>
+                </a:extLst>
+              </p:cNvPr>
+              <p:cNvSpPr txBox="1">
+                <a:spLocks noRot="1" noChangeAspect="1" noMove="1" noResize="1" noEditPoints="1" noAdjustHandles="1" noChangeArrowheads="1" noChangeShapeType="1" noTextEdit="1"/>
+              </p:cNvSpPr>
+              <p:nvPr/>
+            </p:nvSpPr>
+            <p:spPr>
+              <a:xfrm>
+                <a:off x="7453535" y="1835189"/>
+                <a:ext cx="3242298" cy="276999"/>
+              </a:xfrm>
+              <a:prstGeom prst="rect">
+                <a:avLst/>
+              </a:prstGeom>
+              <a:blipFill>
+                <a:blip r:embed="rId6"/>
+                <a:stretch>
+                  <a:fillRect l="-1563" b="-34783"/>
+                </a:stretch>
+              </a:blipFill>
+              <a:ln>
+                <a:noFill/>
+              </a:ln>
+            </p:spPr>
+            <p:txBody>
+              <a:bodyPr/>
+              <a:lstStyle/>
+              <a:p>
+                <a:r>
+                  <a:rPr lang="en-US">
+                    <a:noFill/>
+                  </a:rPr>
+                  <a:t> </a:t>
+                </a:r>
+              </a:p>
+            </p:txBody>
+          </p:sp>
+        </mc:Fallback>
+      </mc:AlternateContent>
+      <p:sp>
+        <p:nvSpPr>
+          <p:cNvPr id="34" name="Rectangle 33">
+            <a:extLst>
+              <a:ext uri="{FF2B5EF4-FFF2-40B4-BE49-F238E27FC236}">
+                <a16:creationId xmlns:a16="http://schemas.microsoft.com/office/drawing/2014/main" id="{1D0A7A6B-4F7F-8644-B3C2-3BAE70A6063F}"/>
+              </a:ext>
+            </a:extLst>
+          </p:cNvPr>
+          <p:cNvSpPr/>
+          <p:nvPr/>
+        </p:nvSpPr>
+        <p:spPr>
+          <a:xfrm>
+            <a:off x="7360184" y="1646033"/>
+            <a:ext cx="3429000" cy="655313"/>
+          </a:xfrm>
+          <a:prstGeom prst="rect">
+            <a:avLst/>
+          </a:prstGeom>
+          <a:noFill/>
+          <a:ln w="19050">
+            <a:solidFill>
+              <a:srgbClr val="FF0000">
+                <a:alpha val="91742"/>
+              </a:srgbClr>
+            </a:solidFill>
+          </a:ln>
+          <a:effectLst>
+            <a:glow rad="63500">
+              <a:srgbClr val="FF7F7F"/>
+            </a:glow>
+            <a:outerShdw blurRad="50800" dist="38100" dir="5400000" algn="t" rotWithShape="0">
+              <a:prstClr val="black">
+                <a:alpha val="40000"/>
+              </a:prstClr>
+            </a:outerShdw>
+          </a:effectLst>
+        </p:spPr>
+        <p:style>
+          <a:lnRef idx="2">
+            <a:schemeClr val="accent1">
+              <a:shade val="50000"/>
+            </a:schemeClr>
+          </a:lnRef>
+          <a:fillRef idx="1">
+            <a:schemeClr val="accent1"/>
+          </a:fillRef>
+          <a:effectRef idx="0">
+            <a:schemeClr val="accent1"/>
+          </a:effectRef>
+          <a:fontRef idx="minor">
+            <a:schemeClr val="lt1"/>
+          </a:fontRef>
+        </p:style>
+        <p:txBody>
+          <a:bodyPr rtlCol="0" anchor="ctr"/>
+          <a:lstStyle/>
+          <a:p>
+            <a:pPr algn="ctr"/>
+            <a:endParaRPr lang="en-US"/>
+          </a:p>
+        </p:txBody>
+      </p:sp>
+      <p:sp>
+        <p:nvSpPr>
+          <p:cNvPr id="47" name="Rounded Rectangle 46">
+            <a:extLst>
+              <a:ext uri="{FF2B5EF4-FFF2-40B4-BE49-F238E27FC236}">
+                <a16:creationId xmlns:a16="http://schemas.microsoft.com/office/drawing/2014/main" id="{4E44F0F5-AFD2-7246-A59E-9069F76F9E98}"/>
+              </a:ext>
+            </a:extLst>
+          </p:cNvPr>
+          <p:cNvSpPr/>
+          <p:nvPr/>
+        </p:nvSpPr>
+        <p:spPr>
+          <a:xfrm>
+            <a:off x="1770540" y="3152301"/>
+            <a:ext cx="3392281" cy="182880"/>
+          </a:xfrm>
+          <a:custGeom>
+            <a:avLst/>
+            <a:gdLst>
+              <a:gd name="connsiteX0" fmla="*/ 0 w 3459480"/>
+              <a:gd name="connsiteY0" fmla="*/ 404288 h 808576"/>
+              <a:gd name="connsiteX1" fmla="*/ 404288 w 3459480"/>
+              <a:gd name="connsiteY1" fmla="*/ 0 h 808576"/>
+              <a:gd name="connsiteX2" fmla="*/ 3055192 w 3459480"/>
+              <a:gd name="connsiteY2" fmla="*/ 0 h 808576"/>
+              <a:gd name="connsiteX3" fmla="*/ 3459480 w 3459480"/>
+              <a:gd name="connsiteY3" fmla="*/ 404288 h 808576"/>
+              <a:gd name="connsiteX4" fmla="*/ 3459480 w 3459480"/>
+              <a:gd name="connsiteY4" fmla="*/ 404288 h 808576"/>
+              <a:gd name="connsiteX5" fmla="*/ 3055192 w 3459480"/>
+              <a:gd name="connsiteY5" fmla="*/ 808576 h 808576"/>
+              <a:gd name="connsiteX6" fmla="*/ 404288 w 3459480"/>
+              <a:gd name="connsiteY6" fmla="*/ 808576 h 808576"/>
+              <a:gd name="connsiteX7" fmla="*/ 0 w 3459480"/>
+              <a:gd name="connsiteY7" fmla="*/ 404288 h 808576"/>
+              <a:gd name="connsiteX0" fmla="*/ 0 w 3459480"/>
+              <a:gd name="connsiteY0" fmla="*/ 404288 h 808576"/>
+              <a:gd name="connsiteX1" fmla="*/ 404288 w 3459480"/>
+              <a:gd name="connsiteY1" fmla="*/ 0 h 808576"/>
+              <a:gd name="connsiteX2" fmla="*/ 3459480 w 3459480"/>
+              <a:gd name="connsiteY2" fmla="*/ 404288 h 808576"/>
+              <a:gd name="connsiteX3" fmla="*/ 3459480 w 3459480"/>
+              <a:gd name="connsiteY3" fmla="*/ 404288 h 808576"/>
+              <a:gd name="connsiteX4" fmla="*/ 3055192 w 3459480"/>
+              <a:gd name="connsiteY4" fmla="*/ 808576 h 808576"/>
+              <a:gd name="connsiteX5" fmla="*/ 404288 w 3459480"/>
+              <a:gd name="connsiteY5" fmla="*/ 808576 h 808576"/>
+              <a:gd name="connsiteX6" fmla="*/ 0 w 3459480"/>
+              <a:gd name="connsiteY6" fmla="*/ 404288 h 808576"/>
+              <a:gd name="connsiteX0" fmla="*/ 0 w 3459480"/>
+              <a:gd name="connsiteY0" fmla="*/ 29948 h 434236"/>
+              <a:gd name="connsiteX1" fmla="*/ 3459480 w 3459480"/>
+              <a:gd name="connsiteY1" fmla="*/ 29948 h 434236"/>
+              <a:gd name="connsiteX2" fmla="*/ 3459480 w 3459480"/>
+              <a:gd name="connsiteY2" fmla="*/ 29948 h 434236"/>
+              <a:gd name="connsiteX3" fmla="*/ 3055192 w 3459480"/>
+              <a:gd name="connsiteY3" fmla="*/ 434236 h 434236"/>
+              <a:gd name="connsiteX4" fmla="*/ 404288 w 3459480"/>
+              <a:gd name="connsiteY4" fmla="*/ 434236 h 434236"/>
+              <a:gd name="connsiteX5" fmla="*/ 0 w 3459480"/>
+              <a:gd name="connsiteY5" fmla="*/ 29948 h 434236"/>
+              <a:gd name="connsiteX0" fmla="*/ 0 w 3459480"/>
+              <a:gd name="connsiteY0" fmla="*/ 29948 h 434236"/>
+              <a:gd name="connsiteX1" fmla="*/ 3459480 w 3459480"/>
+              <a:gd name="connsiteY1" fmla="*/ 29948 h 434236"/>
+              <a:gd name="connsiteX2" fmla="*/ 3459480 w 3459480"/>
+              <a:gd name="connsiteY2" fmla="*/ 29948 h 434236"/>
+              <a:gd name="connsiteX3" fmla="*/ 3055192 w 3459480"/>
+              <a:gd name="connsiteY3" fmla="*/ 434236 h 434236"/>
+              <a:gd name="connsiteX4" fmla="*/ 404288 w 3459480"/>
+              <a:gd name="connsiteY4" fmla="*/ 434236 h 434236"/>
+              <a:gd name="connsiteX5" fmla="*/ 91440 w 3459480"/>
+              <a:gd name="connsiteY5" fmla="*/ 121388 h 434236"/>
+              <a:gd name="connsiteX0" fmla="*/ 3392281 w 3392281"/>
+              <a:gd name="connsiteY0" fmla="*/ 0 h 404288"/>
+              <a:gd name="connsiteX1" fmla="*/ 3392281 w 3392281"/>
+              <a:gd name="connsiteY1" fmla="*/ 0 h 404288"/>
+              <a:gd name="connsiteX2" fmla="*/ 2987993 w 3392281"/>
+              <a:gd name="connsiteY2" fmla="*/ 404288 h 404288"/>
+              <a:gd name="connsiteX3" fmla="*/ 337089 w 3392281"/>
+              <a:gd name="connsiteY3" fmla="*/ 404288 h 404288"/>
+              <a:gd name="connsiteX4" fmla="*/ 24241 w 3392281"/>
+              <a:gd name="connsiteY4" fmla="*/ 91440 h 404288"/>
+            </a:gdLst>
+            <a:ahLst/>
+            <a:cxnLst>
+              <a:cxn ang="0">
+                <a:pos x="connsiteX0" y="connsiteY0"/>
+              </a:cxn>
+              <a:cxn ang="0">
+                <a:pos x="connsiteX1" y="connsiteY1"/>
+              </a:cxn>
+              <a:cxn ang="0">
+                <a:pos x="connsiteX2" y="connsiteY2"/>
+              </a:cxn>
+              <a:cxn ang="0">
+                <a:pos x="connsiteX3" y="connsiteY3"/>
+              </a:cxn>
+              <a:cxn ang="0">
+                <a:pos x="connsiteX4" y="connsiteY4"/>
+              </a:cxn>
+            </a:cxnLst>
+            <a:rect l="l" t="t" r="r" b="b"/>
+            <a:pathLst>
+              <a:path w="3392281" h="404288">
+                <a:moveTo>
+                  <a:pt x="3392281" y="0"/>
+                </a:moveTo>
+                <a:lnTo>
+                  <a:pt x="3392281" y="0"/>
+                </a:lnTo>
+                <a:cubicBezTo>
+                  <a:pt x="3392281" y="223282"/>
+                  <a:pt x="3211275" y="404288"/>
+                  <a:pt x="2987993" y="404288"/>
+                </a:cubicBezTo>
+                <a:lnTo>
+                  <a:pt x="337089" y="404288"/>
+                </a:lnTo>
+                <a:cubicBezTo>
+                  <a:pt x="113807" y="404288"/>
+                  <a:pt x="-67199" y="223282"/>
+                  <a:pt x="24241" y="91440"/>
+                </a:cubicBezTo>
+              </a:path>
+            </a:pathLst>
+          </a:custGeom>
+          <a:noFill/>
+          <a:ln w="31750">
+            <a:solidFill>
+              <a:schemeClr val="bg2">
+                <a:lumMod val="25000"/>
+              </a:schemeClr>
+            </a:solidFill>
+            <a:prstDash val="sysDot"/>
+          </a:ln>
+        </p:spPr>
+        <p:style>
+          <a:lnRef idx="2">
+            <a:schemeClr val="accent1">
+              <a:shade val="50000"/>
+            </a:schemeClr>
+          </a:lnRef>
+          <a:fillRef idx="1">
+            <a:schemeClr val="accent1"/>
+          </a:fillRef>
+          <a:effectRef idx="0">
+            <a:schemeClr val="accent1"/>
+          </a:effectRef>
+          <a:fontRef idx="minor">
+            <a:schemeClr val="lt1"/>
+          </a:fontRef>
+        </p:style>
+        <p:txBody>
+          <a:bodyPr rtlCol="0" anchor="ctr"/>
+          <a:lstStyle/>
+          <a:p>
+            <a:pPr algn="ctr"/>
+            <a:endParaRPr lang="en-US"/>
+          </a:p>
+        </p:txBody>
+      </p:sp>
+      <p:sp>
+        <p:nvSpPr>
+          <p:cNvPr id="38" name="TextBox 37">
+            <a:extLst>
+              <a:ext uri="{FF2B5EF4-FFF2-40B4-BE49-F238E27FC236}">
+                <a16:creationId xmlns:a16="http://schemas.microsoft.com/office/drawing/2014/main" id="{0A8E5B8F-F6DD-1A4F-AB27-D31E78705DB1}"/>
+              </a:ext>
+            </a:extLst>
+          </p:cNvPr>
+          <p:cNvSpPr txBox="1"/>
+          <p:nvPr/>
+        </p:nvSpPr>
+        <p:spPr>
+          <a:xfrm>
+            <a:off x="1914729" y="4206240"/>
+            <a:ext cx="340158" cy="369332"/>
+          </a:xfrm>
+          <a:prstGeom prst="rect">
+            <a:avLst/>
+          </a:prstGeom>
+          <a:noFill/>
+        </p:spPr>
+        <p:txBody>
+          <a:bodyPr wrap="none" rtlCol="0">
+            <a:spAutoFit/>
+          </a:bodyPr>
+          <a:lstStyle/>
+          <a:p>
+            <a:r>
+              <a:rPr lang="en-US" i="1" dirty="0"/>
+              <a:t>t</a:t>
+            </a:r>
+            <a:r>
+              <a:rPr lang="en-US" i="1" baseline="-25000" dirty="0"/>
+              <a:t>1</a:t>
+            </a:r>
+          </a:p>
+        </p:txBody>
+      </p:sp>
+      <p:sp>
+        <p:nvSpPr>
+          <p:cNvPr id="50" name="TextBox 49">
+            <a:extLst>
+              <a:ext uri="{FF2B5EF4-FFF2-40B4-BE49-F238E27FC236}">
+                <a16:creationId xmlns:a16="http://schemas.microsoft.com/office/drawing/2014/main" id="{F8F9B68F-767F-9746-9491-64577422571D}"/>
+              </a:ext>
+            </a:extLst>
+          </p:cNvPr>
+          <p:cNvSpPr txBox="1"/>
+          <p:nvPr/>
+        </p:nvSpPr>
+        <p:spPr>
+          <a:xfrm>
+            <a:off x="3287656" y="4206240"/>
+            <a:ext cx="340158" cy="369332"/>
+          </a:xfrm>
+          <a:prstGeom prst="rect">
+            <a:avLst/>
+          </a:prstGeom>
+          <a:noFill/>
+        </p:spPr>
+        <p:txBody>
+          <a:bodyPr wrap="none" rtlCol="0">
+            <a:spAutoFit/>
+          </a:bodyPr>
+          <a:lstStyle/>
+          <a:p>
+            <a:r>
+              <a:rPr lang="en-US" i="1" dirty="0"/>
+              <a:t>t</a:t>
+            </a:r>
+            <a:r>
+              <a:rPr lang="en-US" i="1" baseline="-25000" dirty="0"/>
+              <a:t>2</a:t>
+            </a:r>
+          </a:p>
+        </p:txBody>
+      </p:sp>
+      <p:sp>
+        <p:nvSpPr>
+          <p:cNvPr id="51" name="TextBox 50">
+            <a:extLst>
+              <a:ext uri="{FF2B5EF4-FFF2-40B4-BE49-F238E27FC236}">
+                <a16:creationId xmlns:a16="http://schemas.microsoft.com/office/drawing/2014/main" id="{16853937-FE43-9E4C-993C-D729F48B5BB6}"/>
+              </a:ext>
+            </a:extLst>
+          </p:cNvPr>
+          <p:cNvSpPr txBox="1"/>
+          <p:nvPr/>
+        </p:nvSpPr>
+        <p:spPr>
+          <a:xfrm>
+            <a:off x="4679186" y="4206240"/>
+            <a:ext cx="340158" cy="369332"/>
+          </a:xfrm>
+          <a:prstGeom prst="rect">
+            <a:avLst/>
+          </a:prstGeom>
+          <a:noFill/>
+        </p:spPr>
+        <p:txBody>
+          <a:bodyPr wrap="none" rtlCol="0">
+            <a:spAutoFit/>
+          </a:bodyPr>
+          <a:lstStyle/>
+          <a:p>
+            <a:r>
+              <a:rPr lang="en-US" i="1" dirty="0"/>
+              <a:t>t</a:t>
+            </a:r>
+            <a:r>
+              <a:rPr lang="en-US" i="1" baseline="-25000" dirty="0"/>
+              <a:t>3</a:t>
+            </a:r>
+          </a:p>
+        </p:txBody>
+      </p:sp>
+      <mc:AlternateContent xmlns:mc="http://schemas.openxmlformats.org/markup-compatibility/2006">
+        <mc:Choice xmlns:a14="http://schemas.microsoft.com/office/drawing/2010/main" Requires="a14">
+          <p:sp>
+            <p:nvSpPr>
+              <p:cNvPr id="39" name="TextBox 38">
+                <a:extLst>
+                  <a:ext uri="{FF2B5EF4-FFF2-40B4-BE49-F238E27FC236}">
+                    <a16:creationId xmlns:a16="http://schemas.microsoft.com/office/drawing/2014/main" id="{67AA74F3-6792-384D-9672-0B491EC25512}"/>
+                  </a:ext>
+                </a:extLst>
+              </p:cNvPr>
+              <p:cNvSpPr txBox="1"/>
+              <p:nvPr/>
+            </p:nvSpPr>
+            <p:spPr>
+              <a:xfrm>
+                <a:off x="8353862" y="3802060"/>
+                <a:ext cx="1333122" cy="369332"/>
+              </a:xfrm>
+              <a:prstGeom prst="rect">
+                <a:avLst/>
+              </a:prstGeom>
+              <a:noFill/>
+            </p:spPr>
+            <p:txBody>
+              <a:bodyPr wrap="none" rtlCol="0">
+                <a:spAutoFit/>
+              </a:bodyPr>
+              <a:lstStyle/>
+              <a:p>
+                <a:r>
+                  <a:rPr lang="en-US" dirty="0"/>
+                  <a:t>{  </a:t>
+                </a:r>
+                <a14:m>
+                  <m:oMath xmlns:m="http://schemas.openxmlformats.org/officeDocument/2006/math">
+                    <m:d>
+                      <m:dPr>
+                        <m:begChr m:val="⟨"/>
+                        <m:endChr m:val="⟩"/>
+                        <m:ctrlPr>
+                          <a:rPr lang="en-US" i="1" smtClean="0">
+                            <a:latin typeface="Cambria Math" panose="02040503050406030204" pitchFamily="18" charset="0"/>
+                          </a:rPr>
+                        </m:ctrlPr>
+                      </m:dPr>
+                      <m:e>
+                        <m:r>
+                          <m:rPr>
+                            <m:sty m:val="p"/>
+                          </m:rPr>
+                          <a:rPr lang="en-US" i="1">
+                            <a:latin typeface="Cambria Math" panose="02040503050406030204" pitchFamily="18" charset="0"/>
+                          </a:rPr>
+                          <m:t>O</m:t>
+                        </m:r>
+                        <m:r>
+                          <a:rPr lang="en-US" b="0" i="1" smtClean="0">
+                            <a:latin typeface="Cambria Math" panose="02040503050406030204" pitchFamily="18" charset="0"/>
+                          </a:rPr>
+                          <m:t>(</m:t>
+                        </m:r>
+                        <m:r>
+                          <a:rPr lang="en-US" b="0" i="1" smtClean="0">
+                            <a:latin typeface="Cambria Math" panose="02040503050406030204" pitchFamily="18" charset="0"/>
+                          </a:rPr>
+                          <m:t>𝑇</m:t>
+                        </m:r>
+                        <m:r>
+                          <a:rPr lang="en-US" b="0" i="1" smtClean="0">
+                            <a:latin typeface="Cambria Math" panose="02040503050406030204" pitchFamily="18" charset="0"/>
+                          </a:rPr>
+                          <m:t>)</m:t>
+                        </m:r>
+                      </m:e>
+                    </m:d>
+                    <m:sSub>
+                      <m:sSubPr>
+                        <m:ctrlPr>
+                          <a:rPr lang="en-US" i="1" baseline="-25000" smtClean="0">
+                            <a:latin typeface="Cambria Math" panose="02040503050406030204" pitchFamily="18" charset="0"/>
+                          </a:rPr>
+                        </m:ctrlPr>
+                      </m:sSubPr>
+                      <m:e>
+                        <m:r>
+                          <a:rPr lang="en-US" i="1" baseline="-25000" smtClean="0">
+                            <a:latin typeface="Cambria Math" panose="02040503050406030204" pitchFamily="18" charset="0"/>
+                            <a:ea typeface="Cambria Math" panose="02040503050406030204" pitchFamily="18" charset="0"/>
+                          </a:rPr>
+                          <m:t>𝜌</m:t>
+                        </m:r>
+                      </m:e>
+                      <m:sub>
+                        <m:r>
+                          <a:rPr lang="en-US" b="0" i="1" baseline="-25000" smtClean="0">
+                            <a:latin typeface="Cambria Math" panose="02040503050406030204" pitchFamily="18" charset="0"/>
+                          </a:rPr>
+                          <m:t>𝑃</m:t>
+                        </m:r>
+                      </m:sub>
+                    </m:sSub>
+                  </m:oMath>
+                </a14:m>
+                <a:r>
+                  <a:rPr lang="en-US" baseline="-25000" dirty="0"/>
+                  <a:t> </a:t>
+                </a:r>
+                <a:r>
+                  <a:rPr lang="en-US" dirty="0"/>
+                  <a:t>}</a:t>
+                </a:r>
+                <a:endParaRPr lang="en-US" baseline="-25000" dirty="0"/>
+              </a:p>
+            </p:txBody>
+          </p:sp>
+        </mc:Choice>
+        <mc:Fallback>
+          <p:sp>
+            <p:nvSpPr>
+              <p:cNvPr id="39" name="TextBox 38">
+                <a:extLst>
+                  <a:ext uri="{FF2B5EF4-FFF2-40B4-BE49-F238E27FC236}">
+                    <a16:creationId xmlns:a16="http://schemas.microsoft.com/office/drawing/2014/main" id="{67AA74F3-6792-384D-9672-0B491EC25512}"/>
+                  </a:ext>
+                </a:extLst>
+              </p:cNvPr>
+              <p:cNvSpPr txBox="1">
+                <a:spLocks noRot="1" noChangeAspect="1" noMove="1" noResize="1" noEditPoints="1" noAdjustHandles="1" noChangeArrowheads="1" noChangeShapeType="1" noTextEdit="1"/>
+              </p:cNvSpPr>
+              <p:nvPr/>
+            </p:nvSpPr>
+            <p:spPr>
+              <a:xfrm>
+                <a:off x="8353862" y="3802060"/>
+                <a:ext cx="1333122" cy="369332"/>
+              </a:xfrm>
+              <a:prstGeom prst="rect">
+                <a:avLst/>
+              </a:prstGeom>
+              <a:blipFill>
+                <a:blip r:embed="rId7"/>
+                <a:stretch>
+                  <a:fillRect l="-3774" t="-6667" b="-23333"/>
+                </a:stretch>
+              </a:blipFill>
+            </p:spPr>
+            <p:txBody>
+              <a:bodyPr/>
+              <a:lstStyle/>
+              <a:p>
+                <a:r>
+                  <a:rPr lang="en-US">
+                    <a:noFill/>
+                  </a:rPr>
+                  <a:t> </a:t>
+                </a:r>
+              </a:p>
+            </p:txBody>
+          </p:sp>
+        </mc:Fallback>
+      </mc:AlternateContent>
+      <p:sp>
+        <p:nvSpPr>
+          <p:cNvPr id="53" name="Rectangle 52">
+            <a:extLst>
+              <a:ext uri="{FF2B5EF4-FFF2-40B4-BE49-F238E27FC236}">
+                <a16:creationId xmlns:a16="http://schemas.microsoft.com/office/drawing/2014/main" id="{EC011778-44E5-BE4E-9B20-33F46E6F5A46}"/>
+              </a:ext>
+            </a:extLst>
+          </p:cNvPr>
+          <p:cNvSpPr/>
+          <p:nvPr/>
+        </p:nvSpPr>
+        <p:spPr>
+          <a:xfrm>
+            <a:off x="7360184" y="3644256"/>
+            <a:ext cx="3429000" cy="655313"/>
+          </a:xfrm>
+          <a:prstGeom prst="rect">
+            <a:avLst/>
+          </a:prstGeom>
+          <a:noFill/>
+          <a:ln w="19050">
+            <a:solidFill>
+              <a:srgbClr val="0432FF">
+                <a:alpha val="92000"/>
+              </a:srgbClr>
+            </a:solidFill>
+          </a:ln>
+          <a:effectLst>
+            <a:glow rad="63500">
+              <a:schemeClr val="accent1">
+                <a:lumMod val="60000"/>
+                <a:lumOff val="40000"/>
+              </a:schemeClr>
+            </a:glow>
+            <a:outerShdw blurRad="50800" dist="38100" dir="5400000" algn="t" rotWithShape="0">
+              <a:prstClr val="black">
+                <a:alpha val="40000"/>
+              </a:prstClr>
+            </a:outerShdw>
+          </a:effectLst>
+        </p:spPr>
+        <p:style>
+          <a:lnRef idx="2">
+            <a:schemeClr val="accent1">
+              <a:shade val="50000"/>
+            </a:schemeClr>
+          </a:lnRef>
+          <a:fillRef idx="1">
+            <a:schemeClr val="accent1"/>
+          </a:fillRef>
+          <a:effectRef idx="0">
+            <a:schemeClr val="accent1"/>
+          </a:effectRef>
+          <a:fontRef idx="minor">
+            <a:schemeClr val="lt1"/>
+          </a:fontRef>
+        </p:style>
+        <p:txBody>
+          <a:bodyPr rtlCol="0" anchor="ctr"/>
+          <a:lstStyle/>
+          <a:p>
+            <a:pPr algn="ctr"/>
+            <a:endParaRPr lang="en-US"/>
+          </a:p>
+        </p:txBody>
+      </p:sp>
+      <p:sp>
+        <p:nvSpPr>
+          <p:cNvPr id="54" name="Down Arrow 53">
+            <a:extLst>
+              <a:ext uri="{FF2B5EF4-FFF2-40B4-BE49-F238E27FC236}">
+                <a16:creationId xmlns:a16="http://schemas.microsoft.com/office/drawing/2014/main" id="{A074E3FA-EE30-094A-9EE3-90608F6EB0D8}"/>
+              </a:ext>
+            </a:extLst>
+          </p:cNvPr>
+          <p:cNvSpPr/>
+          <p:nvPr/>
+        </p:nvSpPr>
+        <p:spPr>
+          <a:xfrm rot="10800000">
+            <a:off x="8854809" y="2432671"/>
+            <a:ext cx="439749" cy="587794"/>
+          </a:xfrm>
+          <a:prstGeom prst="downArrow">
+            <a:avLst/>
+          </a:prstGeom>
+          <a:solidFill>
+            <a:schemeClr val="bg1">
+              <a:lumMod val="65000"/>
+            </a:schemeClr>
+          </a:solidFill>
+          <a:ln>
+            <a:solidFill>
+              <a:schemeClr val="tx1"/>
+            </a:solidFill>
+          </a:ln>
+        </p:spPr>
+        <p:style>
+          <a:lnRef idx="2">
+            <a:schemeClr val="accent1">
+              <a:shade val="50000"/>
+            </a:schemeClr>
+          </a:lnRef>
+          <a:fillRef idx="1">
+            <a:schemeClr val="accent1"/>
+          </a:fillRef>
+          <a:effectRef idx="0">
+            <a:schemeClr val="accent1"/>
+          </a:effectRef>
+          <a:fontRef idx="minor">
+            <a:schemeClr val="lt1"/>
+          </a:fontRef>
+        </p:style>
+        <p:txBody>
+          <a:bodyPr rtlCol="0" anchor="ctr"/>
+          <a:lstStyle/>
+          <a:p>
+            <a:pPr algn="ctr"/>
+            <a:endParaRPr lang="en-US" dirty="0"/>
+          </a:p>
+        </p:txBody>
+      </p:sp>
+      <p:sp>
+        <p:nvSpPr>
+          <p:cNvPr id="49" name="TextBox 48">
+            <a:extLst>
+              <a:ext uri="{FF2B5EF4-FFF2-40B4-BE49-F238E27FC236}">
+                <a16:creationId xmlns:a16="http://schemas.microsoft.com/office/drawing/2014/main" id="{D150F864-2C08-3649-BFFE-08A2D575BF14}"/>
+              </a:ext>
+            </a:extLst>
+          </p:cNvPr>
+          <p:cNvSpPr txBox="1"/>
+          <p:nvPr/>
+        </p:nvSpPr>
+        <p:spPr>
+          <a:xfrm>
+            <a:off x="7453535" y="3046827"/>
+            <a:ext cx="3244158" cy="369332"/>
+          </a:xfrm>
+          <a:prstGeom prst="rect">
+            <a:avLst/>
+          </a:prstGeom>
+          <a:noFill/>
+        </p:spPr>
+        <p:txBody>
+          <a:bodyPr wrap="none" rtlCol="0">
+            <a:spAutoFit/>
+          </a:bodyPr>
+          <a:lstStyle/>
+          <a:p>
+            <a:r>
+              <a:rPr lang="en-US" dirty="0"/>
+              <a:t>Open quantum system dynamics</a:t>
+            </a:r>
+          </a:p>
+        </p:txBody>
+      </p:sp>
+      <p:sp>
+        <p:nvSpPr>
+          <p:cNvPr id="52" name="TextBox 51">
+            <a:extLst>
+              <a:ext uri="{FF2B5EF4-FFF2-40B4-BE49-F238E27FC236}">
+                <a16:creationId xmlns:a16="http://schemas.microsoft.com/office/drawing/2014/main" id="{3BCD2B08-C7DE-4F42-A723-F76C93048200}"/>
+              </a:ext>
+            </a:extLst>
+          </p:cNvPr>
+          <p:cNvSpPr txBox="1"/>
+          <p:nvPr/>
+        </p:nvSpPr>
+        <p:spPr>
+          <a:xfrm>
+            <a:off x="5524182" y="2697480"/>
+            <a:ext cx="1512658" cy="584775"/>
+          </a:xfrm>
+          <a:prstGeom prst="rect">
+            <a:avLst/>
+          </a:prstGeom>
+          <a:noFill/>
+        </p:spPr>
+        <p:txBody>
+          <a:bodyPr wrap="none" rtlCol="0">
+            <a:spAutoFit/>
+          </a:bodyPr>
+          <a:lstStyle/>
+          <a:p>
+            <a:r>
+              <a:rPr lang="en-US" sz="1600" dirty="0"/>
+              <a:t>(always-on </a:t>
+            </a:r>
+            <a:r>
+              <a:rPr lang="en-US" sz="1600" i="1" dirty="0"/>
+              <a:t>P-M</a:t>
+            </a:r>
+            <a:r>
+              <a:rPr lang="en-US" sz="1600" dirty="0"/>
+              <a:t> </a:t>
+            </a:r>
+          </a:p>
+          <a:p>
+            <a:pPr algn="ctr"/>
+            <a:r>
+              <a:rPr lang="en-US" sz="1600" dirty="0"/>
+              <a:t>coupling)</a:t>
+            </a:r>
+          </a:p>
+        </p:txBody>
+      </p:sp>
+      <p:cxnSp>
+        <p:nvCxnSpPr>
+          <p:cNvPr id="56" name="Straight Arrow Connector 55">
+            <a:extLst>
+              <a:ext uri="{FF2B5EF4-FFF2-40B4-BE49-F238E27FC236}">
+                <a16:creationId xmlns:a16="http://schemas.microsoft.com/office/drawing/2014/main" id="{AD2606B3-7FB0-1A4C-9A06-6AE21B4BA3BB}"/>
+              </a:ext>
+            </a:extLst>
+          </p:cNvPr>
+          <p:cNvCxnSpPr>
+            <a:cxnSpLocks/>
+          </p:cNvCxnSpPr>
+          <p:nvPr/>
+        </p:nvCxnSpPr>
+        <p:spPr>
+          <a:xfrm flipV="1">
+            <a:off x="5236648" y="2998980"/>
+            <a:ext cx="370362" cy="163815"/>
+          </a:xfrm>
+          <a:prstGeom prst="straightConnector1">
+            <a:avLst/>
+          </a:prstGeom>
+          <a:ln w="25400">
+            <a:solidFill>
+              <a:schemeClr val="tx1">
+                <a:lumMod val="65000"/>
+                <a:lumOff val="35000"/>
+              </a:schemeClr>
+            </a:solidFill>
+            <a:tailEnd type="triangle"/>
+          </a:ln>
+        </p:spPr>
+        <p:style>
+          <a:lnRef idx="1">
+            <a:schemeClr val="accent1"/>
+          </a:lnRef>
+          <a:fillRef idx="0">
+            <a:schemeClr val="accent1"/>
+          </a:fillRef>
+          <a:effectRef idx="0">
+            <a:schemeClr val="accent1"/>
+          </a:effectRef>
+          <a:fontRef idx="minor">
+            <a:schemeClr val="tx1"/>
+          </a:fontRef>
+        </p:style>
+      </p:cxnSp>
     </p:spTree>
     <p:extLst>
       <p:ext uri="{BB962C8B-B14F-4D97-AF65-F5344CB8AC3E}">
